--- a/POSTER/Poster-SRI2018-oasys_v1.pptx
+++ b/POSTER/Poster-SRI2018-oasys_v1.pptx
@@ -8,7 +8,7 @@
     <p:sldId id="256" r:id="rId2"/>
   </p:sldIdLst>
   <p:sldSz cx="30275213" cy="42803763"/>
-  <p:notesSz cx="6858000" cy="9144000"/>
+  <p:notesSz cx="9931400" cy="14363700"/>
   <p:defaultTextStyle>
     <a:defPPr>
       <a:defRPr lang="en-US"/>
@@ -106,7 +106,7 @@
   </p:defaultTextStyle>
   <p:extLst>
     <p:ext uri="{EFAFB233-063F-42B5-8137-9DF3F51BA10A}">
-      <p15:sldGuideLst xmlns="" xmlns:p15="http://schemas.microsoft.com/office/powerpoint/2012/main">
+      <p15:sldGuideLst xmlns:p15="http://schemas.microsoft.com/office/powerpoint/2012/main">
         <p15:guide id="1" orient="horz" pos="4137" userDrawn="1">
           <p15:clr>
             <a:srgbClr val="A4A3A4"/>
@@ -309,7 +309,7 @@
           <a:p>
             <a:fld id="{6D33EC4A-3FF0-485D-A4DA-680A92703423}" type="datetimeFigureOut">
               <a:rPr lang="en-GB" smtClean="0"/>
-              <a:t>02/06/18</a:t>
+              <a:t>06/06/2018</a:t>
             </a:fld>
             <a:endParaRPr lang="en-GB"/>
           </a:p>
@@ -479,7 +479,7 @@
           <a:p>
             <a:fld id="{6D33EC4A-3FF0-485D-A4DA-680A92703423}" type="datetimeFigureOut">
               <a:rPr lang="en-GB" smtClean="0"/>
-              <a:t>02/06/18</a:t>
+              <a:t>06/06/2018</a:t>
             </a:fld>
             <a:endParaRPr lang="en-GB"/>
           </a:p>
@@ -659,7 +659,7 @@
           <a:p>
             <a:fld id="{6D33EC4A-3FF0-485D-A4DA-680A92703423}" type="datetimeFigureOut">
               <a:rPr lang="en-GB" smtClean="0"/>
-              <a:t>02/06/18</a:t>
+              <a:t>06/06/2018</a:t>
             </a:fld>
             <a:endParaRPr lang="en-GB"/>
           </a:p>
@@ -829,7 +829,7 @@
           <a:p>
             <a:fld id="{6D33EC4A-3FF0-485D-A4DA-680A92703423}" type="datetimeFigureOut">
               <a:rPr lang="en-GB" smtClean="0"/>
-              <a:t>02/06/18</a:t>
+              <a:t>06/06/2018</a:t>
             </a:fld>
             <a:endParaRPr lang="en-GB"/>
           </a:p>
@@ -1073,7 +1073,7 @@
           <a:p>
             <a:fld id="{6D33EC4A-3FF0-485D-A4DA-680A92703423}" type="datetimeFigureOut">
               <a:rPr lang="en-GB" smtClean="0"/>
-              <a:t>02/06/18</a:t>
+              <a:t>06/06/2018</a:t>
             </a:fld>
             <a:endParaRPr lang="en-GB"/>
           </a:p>
@@ -1305,7 +1305,7 @@
           <a:p>
             <a:fld id="{6D33EC4A-3FF0-485D-A4DA-680A92703423}" type="datetimeFigureOut">
               <a:rPr lang="en-GB" smtClean="0"/>
-              <a:t>02/06/18</a:t>
+              <a:t>06/06/2018</a:t>
             </a:fld>
             <a:endParaRPr lang="en-GB"/>
           </a:p>
@@ -1672,7 +1672,7 @@
           <a:p>
             <a:fld id="{6D33EC4A-3FF0-485D-A4DA-680A92703423}" type="datetimeFigureOut">
               <a:rPr lang="en-GB" smtClean="0"/>
-              <a:t>02/06/18</a:t>
+              <a:t>06/06/2018</a:t>
             </a:fld>
             <a:endParaRPr lang="en-GB"/>
           </a:p>
@@ -1790,7 +1790,7 @@
           <a:p>
             <a:fld id="{6D33EC4A-3FF0-485D-A4DA-680A92703423}" type="datetimeFigureOut">
               <a:rPr lang="en-GB" smtClean="0"/>
-              <a:t>02/06/18</a:t>
+              <a:t>06/06/2018</a:t>
             </a:fld>
             <a:endParaRPr lang="en-GB"/>
           </a:p>
@@ -1885,7 +1885,7 @@
           <a:p>
             <a:fld id="{6D33EC4A-3FF0-485D-A4DA-680A92703423}" type="datetimeFigureOut">
               <a:rPr lang="en-GB" smtClean="0"/>
-              <a:t>02/06/18</a:t>
+              <a:t>06/06/2018</a:t>
             </a:fld>
             <a:endParaRPr lang="en-GB"/>
           </a:p>
@@ -2162,7 +2162,7 @@
           <a:p>
             <a:fld id="{6D33EC4A-3FF0-485D-A4DA-680A92703423}" type="datetimeFigureOut">
               <a:rPr lang="en-GB" smtClean="0"/>
-              <a:t>02/06/18</a:t>
+              <a:t>06/06/2018</a:t>
             </a:fld>
             <a:endParaRPr lang="en-GB"/>
           </a:p>
@@ -2419,7 +2419,7 @@
           <a:p>
             <a:fld id="{6D33EC4A-3FF0-485D-A4DA-680A92703423}" type="datetimeFigureOut">
               <a:rPr lang="en-GB" smtClean="0"/>
-              <a:t>02/06/18</a:t>
+              <a:t>06/06/2018</a:t>
             </a:fld>
             <a:endParaRPr lang="en-GB"/>
           </a:p>
@@ -2632,7 +2632,7 @@
           <a:p>
             <a:fld id="{6D33EC4A-3FF0-485D-A4DA-680A92703423}" type="datetimeFigureOut">
               <a:rPr lang="en-GB" smtClean="0"/>
-              <a:t>02/06/18</a:t>
+              <a:t>06/06/2018</a:t>
             </a:fld>
             <a:endParaRPr lang="en-GB"/>
           </a:p>
@@ -3147,14 +3147,14 @@
           <a:effectLst/>
           <a:extLst>
             <a:ext uri="{909E8E84-426E-40dd-AFC4-6F175D3DCCD1}">
-              <a14:hiddenFill xmlns:a14="http://schemas.microsoft.com/office/drawing/2010/main">
+              <a14:hiddenFill xmlns="" xmlns:a14="http://schemas.microsoft.com/office/drawing/2010/main">
                 <a:solidFill>
                   <a:schemeClr val="accent1"/>
                 </a:solidFill>
               </a14:hiddenFill>
             </a:ext>
             <a:ext uri="{AF507438-7753-43e0-B8FC-AC1667EBCBE1}">
-              <a14:hiddenEffects xmlns:a14="http://schemas.microsoft.com/office/drawing/2010/main">
+              <a14:hiddenEffects xmlns="" xmlns:a14="http://schemas.microsoft.com/office/drawing/2010/main">
                 <a:effectLst>
                   <a:outerShdw dist="35921" dir="2700000" algn="ctr" rotWithShape="0">
                     <a:schemeClr val="bg2"/>
@@ -3323,8 +3323,8 @@
         </p:nvSpPr>
         <p:spPr bwMode="auto">
           <a:xfrm>
-            <a:off x="-16262" y="6547528"/>
-            <a:ext cx="30923620" cy="3837129"/>
+            <a:off x="-16262" y="6403512"/>
+            <a:ext cx="30225090" cy="3837129"/>
           </a:xfrm>
           <a:prstGeom prst="rect">
             <a:avLst/>
@@ -3437,17 +3437,17 @@
                 <a:latin typeface="Arial" panose="020B0604020202020204" pitchFamily="34" charset="0"/>
                 <a:cs typeface="Arial" panose="020B0604020202020204" pitchFamily="34" charset="0"/>
               </a:rPr>
-              <a:t> Suite) is an open-source graphical environment for </a:t>
-            </a:r>
-            <a:r>
-              <a:rPr lang="en-US" sz="3600" dirty="0" err="1">
+              <a:t> Suite) is an open-source graphical environment for beamline </a:t>
+            </a:r>
+            <a:r>
+              <a:rPr lang="en-US" sz="3600" dirty="0" smtClean="0">
                 <a:solidFill>
                   <a:srgbClr val="132577"/>
                 </a:solidFill>
                 <a:latin typeface="Arial" panose="020B0604020202020204" pitchFamily="34" charset="0"/>
                 <a:cs typeface="Arial" panose="020B0604020202020204" pitchFamily="34" charset="0"/>
               </a:rPr>
-              <a:t>beamline</a:t>
+              <a:t>simulation and </a:t>
             </a:r>
             <a:r>
               <a:rPr lang="en-US" sz="3600" dirty="0">
@@ -3457,7 +3457,7 @@
                 <a:latin typeface="Arial" panose="020B0604020202020204" pitchFamily="34" charset="0"/>
                 <a:cs typeface="Arial" panose="020B0604020202020204" pitchFamily="34" charset="0"/>
               </a:rPr>
-              <a:t> and optimization</a:t>
+              <a:t>optimization</a:t>
             </a:r>
             <a:r>
               <a:rPr lang="en-US" sz="3600" dirty="0" smtClean="0">
@@ -3467,7 +3467,7 @@
                 <a:latin typeface="Arial" panose="020B0604020202020204" pitchFamily="34" charset="0"/>
                 <a:cs typeface="Arial" panose="020B0604020202020204" pitchFamily="34" charset="0"/>
               </a:rPr>
-              <a:t>, </a:t>
+              <a:t>, for performing </a:t>
             </a:r>
             <a:r>
               <a:rPr lang="en-US" sz="3600" dirty="0">
@@ -3477,7 +3477,7 @@
                 <a:latin typeface="Arial" panose="020B0604020202020204" pitchFamily="34" charset="0"/>
                 <a:cs typeface="Arial" panose="020B0604020202020204" pitchFamily="34" charset="0"/>
               </a:rPr>
-              <a:t>to perform virtual synchrotron experiments in an efficient, elegant and precise way</a:t>
+              <a:t>virtual synchrotron experiments in an efficient, elegant and precise way</a:t>
             </a:r>
             <a:r>
               <a:rPr lang="en-US" sz="3600" dirty="0" smtClean="0">
@@ -3582,14 +3582,14 @@
           <a:effectLst/>
           <a:extLst>
             <a:ext uri="{909E8E84-426E-40dd-AFC4-6F175D3DCCD1}">
-              <a14:hiddenFill xmlns:a14="http://schemas.microsoft.com/office/drawing/2010/main">
+              <a14:hiddenFill xmlns="" xmlns:a14="http://schemas.microsoft.com/office/drawing/2010/main">
                 <a:solidFill>
                   <a:schemeClr val="accent1"/>
                 </a:solidFill>
               </a14:hiddenFill>
             </a:ext>
             <a:ext uri="{91240B29-F687-4f45-9708-019B960494DF}">
-              <a14:hiddenLine xmlns:a14="http://schemas.microsoft.com/office/drawing/2010/main" w="9525">
+              <a14:hiddenLine xmlns="" xmlns:a14="http://schemas.microsoft.com/office/drawing/2010/main" w="9525">
                 <a:solidFill>
                   <a:schemeClr val="tx1"/>
                 </a:solidFill>
@@ -3599,7 +3599,7 @@
               </a14:hiddenLine>
             </a:ext>
             <a:ext uri="{AF507438-7753-43e0-B8FC-AC1667EBCBE1}">
-              <a14:hiddenEffects xmlns:a14="http://schemas.microsoft.com/office/drawing/2010/main">
+              <a14:hiddenEffects xmlns="" xmlns:a14="http://schemas.microsoft.com/office/drawing/2010/main">
                 <a:effectLst>
                   <a:outerShdw dist="35921" dir="2700000" algn="ctr" rotWithShape="0">
                     <a:schemeClr val="bg2"/>
@@ -3720,7 +3720,7 @@
             <a:r>
               <a:rPr lang="en-GB" sz="4000" b="1" dirty="0" smtClean="0">
                 <a:solidFill>
-                  <a:srgbClr val="132577"/>
+                  <a:srgbClr val="002060"/>
                 </a:solidFill>
                 <a:cs typeface="Arial" panose="020B0604020202020204" pitchFamily="34" charset="0"/>
               </a:rPr>
@@ -3734,28 +3734,48 @@
               </a:spcBef>
             </a:pPr>
             <a:r>
-              <a:rPr lang="en-GB" sz="3600" dirty="0"/>
+              <a:rPr lang="en-GB" sz="3600" dirty="0">
+                <a:solidFill>
+                  <a:srgbClr val="002060"/>
+                </a:solidFill>
+              </a:rPr>
               <a:t>OASYS aims to simulating the complete chain of a synchrotron </a:t>
             </a:r>
             <a:r>
-              <a:rPr lang="en-GB" sz="3600" dirty="0" smtClean="0"/>
+              <a:rPr lang="en-GB" sz="3600" dirty="0" smtClean="0">
+                <a:solidFill>
+                  <a:srgbClr val="002060"/>
+                </a:solidFill>
+              </a:rPr>
               <a:t>experiment. Thus</a:t>
             </a:r>
             <a:r>
-              <a:rPr lang="en-GB" sz="3600" dirty="0"/>
+              <a:rPr lang="en-GB" sz="3600" dirty="0">
+                <a:solidFill>
+                  <a:srgbClr val="002060"/>
+                </a:solidFill>
+              </a:rPr>
               <a:t>, the </a:t>
             </a:r>
             <a:r>
-              <a:rPr lang="en-GB" sz="3600" dirty="0" smtClean="0"/>
+              <a:rPr lang="en-GB" sz="3600" dirty="0" smtClean="0">
+                <a:solidFill>
+                  <a:srgbClr val="002060"/>
+                </a:solidFill>
+              </a:rPr>
               <a:t>virtual </a:t>
             </a:r>
             <a:r>
-              <a:rPr lang="en-GB" sz="3600" dirty="0"/>
+              <a:rPr lang="en-GB" sz="3600" dirty="0">
+                <a:solidFill>
+                  <a:srgbClr val="002060"/>
+                </a:solidFill>
+              </a:rPr>
               <a:t>experiment can be decoupled in different steps </a:t>
             </a:r>
             <a:endParaRPr lang="en-GB" sz="3600" b="1" dirty="0">
               <a:solidFill>
-                <a:srgbClr val="132577"/>
+                <a:srgbClr val="002060"/>
               </a:solidFill>
               <a:cs typeface="Arial" panose="020B0604020202020204" pitchFamily="34" charset="0"/>
             </a:endParaRPr>
@@ -3773,7 +3793,7 @@
         <p:spPr bwMode="auto">
           <a:xfrm>
             <a:off x="15624888" y="24642241"/>
-            <a:ext cx="14617624" cy="2962121"/>
+            <a:ext cx="13376818" cy="2685122"/>
           </a:xfrm>
           <a:prstGeom prst="rect">
             <a:avLst/>
@@ -3785,14 +3805,14 @@
           <a:effectLst/>
           <a:extLst>
             <a:ext uri="{909E8E84-426E-40dd-AFC4-6F175D3DCCD1}">
-              <a14:hiddenFill xmlns:a14="http://schemas.microsoft.com/office/drawing/2010/main">
+              <a14:hiddenFill xmlns="" xmlns:a14="http://schemas.microsoft.com/office/drawing/2010/main">
                 <a:solidFill>
                   <a:schemeClr val="accent1"/>
                 </a:solidFill>
               </a14:hiddenFill>
             </a:ext>
             <a:ext uri="{91240B29-F687-4f45-9708-019B960494DF}">
-              <a14:hiddenLine xmlns:a14="http://schemas.microsoft.com/office/drawing/2010/main" w="9525">
+              <a14:hiddenLine xmlns="" xmlns:a14="http://schemas.microsoft.com/office/drawing/2010/main" w="9525">
                 <a:solidFill>
                   <a:schemeClr val="tx1"/>
                 </a:solidFill>
@@ -3802,7 +3822,7 @@
               </a14:hiddenLine>
             </a:ext>
             <a:ext uri="{AF507438-7753-43e0-B8FC-AC1667EBCBE1}">
-              <a14:hiddenEffects xmlns:a14="http://schemas.microsoft.com/office/drawing/2010/main">
+              <a14:hiddenEffects xmlns="" xmlns:a14="http://schemas.microsoft.com/office/drawing/2010/main">
                 <a:effectLst>
                   <a:outerShdw dist="35921" dir="2700000" algn="ctr" rotWithShape="0">
                     <a:schemeClr val="bg2"/>
@@ -3915,7 +3935,7 @@
             </a:lvl9pPr>
           </a:lstStyle>
           <a:p>
-            <a:pPr>
+            <a:pPr algn="ctr">
               <a:spcBef>
                 <a:spcPct val="50000"/>
               </a:spcBef>
@@ -3923,7 +3943,7 @@
             <a:r>
               <a:rPr lang="en-US" sz="4000" b="1" dirty="0" smtClean="0">
                 <a:solidFill>
-                  <a:srgbClr val="132577"/>
+                  <a:srgbClr val="002060"/>
                 </a:solidFill>
                 <a:cs typeface="Arial" panose="020B0604020202020204" pitchFamily="34" charset="0"/>
               </a:rPr>
@@ -3931,7 +3951,7 @@
             </a:r>
           </a:p>
           <a:p>
-            <a:pPr>
+            <a:pPr algn="just">
               <a:spcBef>
                 <a:spcPct val="50000"/>
               </a:spcBef>
@@ -3939,7 +3959,7 @@
             <a:r>
               <a:rPr lang="en-GB" sz="3600" dirty="0" smtClean="0">
                 <a:solidFill>
-                  <a:srgbClr val="132577"/>
+                  <a:srgbClr val="002060"/>
                 </a:solidFill>
                 <a:cs typeface="Arial" panose="020B0604020202020204" pitchFamily="34" charset="0"/>
               </a:rPr>
@@ -3948,7 +3968,7 @@
             <a:r>
               <a:rPr lang="en-GB" sz="3600" dirty="0" err="1" smtClean="0">
                 <a:solidFill>
-                  <a:srgbClr val="132577"/>
+                  <a:srgbClr val="002060"/>
                 </a:solidFill>
                 <a:cs typeface="Arial" panose="020B0604020202020204" pitchFamily="34" charset="0"/>
               </a:rPr>
@@ -3957,7 +3977,7 @@
             <a:r>
               <a:rPr lang="en-GB" sz="3600" dirty="0" smtClean="0">
                 <a:solidFill>
-                  <a:srgbClr val="132577"/>
+                  <a:srgbClr val="002060"/>
                 </a:solidFill>
                 <a:cs typeface="Arial" panose="020B0604020202020204" pitchFamily="34" charset="0"/>
               </a:rPr>
@@ -3966,7 +3986,7 @@
             <a:r>
               <a:rPr lang="en-GB" sz="3600" dirty="0" err="1" smtClean="0">
                 <a:solidFill>
-                  <a:srgbClr val="132577"/>
+                  <a:srgbClr val="002060"/>
                 </a:solidFill>
                 <a:cs typeface="Arial" panose="020B0604020202020204" pitchFamily="34" charset="0"/>
               </a:rPr>
@@ -3975,7 +3995,7 @@
             <a:r>
               <a:rPr lang="en-GB" sz="3600" dirty="0" smtClean="0">
                 <a:solidFill>
-                  <a:srgbClr val="132577"/>
+                  <a:srgbClr val="002060"/>
                 </a:solidFill>
                 <a:cs typeface="Arial" panose="020B0604020202020204" pitchFamily="34" charset="0"/>
               </a:rPr>
@@ -3984,7 +4004,7 @@
             <a:r>
               <a:rPr lang="en-GB" sz="3600" dirty="0">
                 <a:solidFill>
-                  <a:srgbClr val="132577"/>
+                  <a:srgbClr val="002060"/>
                 </a:solidFill>
                 <a:cs typeface="Arial" panose="020B0604020202020204" pitchFamily="34" charset="0"/>
               </a:rPr>
@@ -3993,85 +4013,87 @@
             <a:r>
               <a:rPr lang="en-GB" sz="3600" dirty="0" smtClean="0">
                 <a:solidFill>
-                  <a:srgbClr val="132577"/>
-                </a:solidFill>
-                <a:cs typeface="Arial" panose="020B0604020202020204" pitchFamily="34" charset="0"/>
-              </a:rPr>
-              <a:t>[3]</a:t>
-            </a:r>
-          </a:p>
-          <a:p>
-            <a:pPr>
-              <a:spcBef>
-                <a:spcPct val="50000"/>
-              </a:spcBef>
-            </a:pPr>
+                  <a:srgbClr val="002060"/>
+                </a:solidFill>
+                <a:cs typeface="Arial" panose="020B0604020202020204" pitchFamily="34" charset="0"/>
+              </a:rPr>
+              <a:t>[3], Partial </a:t>
+            </a:r>
+            <a:r>
+              <a:rPr lang="en-GB" sz="3600" dirty="0">
+                <a:solidFill>
+                  <a:srgbClr val="002060"/>
+                </a:solidFill>
+                <a:cs typeface="Arial" panose="020B0604020202020204" pitchFamily="34" charset="0"/>
+              </a:rPr>
+              <a:t>coherence (under development): </a:t>
+            </a:r>
             <a:r>
               <a:rPr lang="en-GB" sz="3600" dirty="0" smtClean="0">
                 <a:solidFill>
-                  <a:srgbClr val="132577"/>
-                </a:solidFill>
-                <a:cs typeface="Arial" panose="020B0604020202020204" pitchFamily="34" charset="0"/>
-              </a:rPr>
-              <a:t>Partial </a:t>
+                  <a:srgbClr val="002060"/>
+                </a:solidFill>
+                <a:cs typeface="Arial" panose="020B0604020202020204" pitchFamily="34" charset="0"/>
+              </a:rPr>
+              <a:t>SRW </a:t>
             </a:r>
             <a:r>
               <a:rPr lang="en-GB" sz="3600" dirty="0">
                 <a:solidFill>
-                  <a:srgbClr val="132577"/>
-                </a:solidFill>
-                <a:cs typeface="Arial" panose="020B0604020202020204" pitchFamily="34" charset="0"/>
-              </a:rPr>
-              <a:t>coherence (under development): </a:t>
+                  <a:srgbClr val="002060"/>
+                </a:solidFill>
+                <a:cs typeface="Arial" panose="020B0604020202020204" pitchFamily="34" charset="0"/>
+              </a:rPr>
+              <a:t>(Monte Carlo </a:t>
+            </a:r>
+            <a:r>
+              <a:rPr lang="en-GB" sz="3600" dirty="0" err="1">
+                <a:solidFill>
+                  <a:srgbClr val="002060"/>
+                </a:solidFill>
+                <a:cs typeface="Arial" panose="020B0604020202020204" pitchFamily="34" charset="0"/>
+              </a:rPr>
+              <a:t>multielectron</a:t>
+            </a:r>
+            <a:r>
+              <a:rPr lang="en-GB" sz="3600" dirty="0">
+                <a:solidFill>
+                  <a:srgbClr val="002060"/>
+                </a:solidFill>
+                <a:cs typeface="Arial" panose="020B0604020202020204" pitchFamily="34" charset="0"/>
+              </a:rPr>
+              <a:t>), </a:t>
             </a:r>
             <a:r>
               <a:rPr lang="en-GB" sz="3600" dirty="0" smtClean="0">
                 <a:solidFill>
-                  <a:srgbClr val="132577"/>
-                </a:solidFill>
-                <a:cs typeface="Arial" panose="020B0604020202020204" pitchFamily="34" charset="0"/>
-              </a:rPr>
-              <a:t>SRW </a:t>
+                  <a:srgbClr val="002060"/>
+                </a:solidFill>
+                <a:cs typeface="Arial" panose="020B0604020202020204" pitchFamily="34" charset="0"/>
+              </a:rPr>
+              <a:t>COMSYL (</a:t>
             </a:r>
             <a:r>
               <a:rPr lang="en-GB" sz="3600" dirty="0">
                 <a:solidFill>
-                  <a:srgbClr val="132577"/>
-                </a:solidFill>
-                <a:cs typeface="Arial" panose="020B0604020202020204" pitchFamily="34" charset="0"/>
-              </a:rPr>
-              <a:t>(Monte Carlo </a:t>
-            </a:r>
-            <a:r>
-              <a:rPr lang="en-GB" sz="3600" dirty="0" err="1">
-                <a:solidFill>
-                  <a:srgbClr val="132577"/>
-                </a:solidFill>
-                <a:cs typeface="Arial" panose="020B0604020202020204" pitchFamily="34" charset="0"/>
-              </a:rPr>
-              <a:t>multielectron</a:t>
-            </a:r>
-            <a:r>
-              <a:rPr lang="en-GB" sz="3600" dirty="0">
-                <a:solidFill>
-                  <a:srgbClr val="132577"/>
-                </a:solidFill>
-                <a:cs typeface="Arial" panose="020B0604020202020204" pitchFamily="34" charset="0"/>
-              </a:rPr>
-              <a:t>), COMSYL (coherent mode decomposition</a:t>
+                  <a:srgbClr val="002060"/>
+                </a:solidFill>
+                <a:cs typeface="Arial" panose="020B0604020202020204" pitchFamily="34" charset="0"/>
+              </a:rPr>
+              <a:t>coherent mode decomposition) </a:t>
             </a:r>
             <a:r>
               <a:rPr lang="en-GB" sz="3600" dirty="0" smtClean="0">
                 <a:solidFill>
-                  <a:srgbClr val="132577"/>
-                </a:solidFill>
-                <a:cs typeface="Arial" panose="020B0604020202020204" pitchFamily="34" charset="0"/>
-              </a:rPr>
-              <a:t>)</a:t>
+                  <a:srgbClr val="002060"/>
+                </a:solidFill>
+                <a:cs typeface="Arial" panose="020B0604020202020204" pitchFamily="34" charset="0"/>
+              </a:rPr>
+              <a:t>[5] </a:t>
             </a:r>
             <a:endParaRPr lang="en-GB" sz="3600" dirty="0">
               <a:solidFill>
-                <a:srgbClr val="132577"/>
+                <a:srgbClr val="002060"/>
               </a:solidFill>
               <a:cs typeface="Arial" panose="020B0604020202020204" pitchFamily="34" charset="0"/>
             </a:endParaRPr>
@@ -4088,8 +4110,8 @@
         </p:nvSpPr>
         <p:spPr bwMode="auto">
           <a:xfrm>
-            <a:off x="736006" y="40676138"/>
-            <a:ext cx="29156678" cy="2100347"/>
+            <a:off x="736006" y="39187857"/>
+            <a:ext cx="23258584" cy="3577674"/>
           </a:xfrm>
           <a:prstGeom prst="rect">
             <a:avLst/>
@@ -4101,14 +4123,14 @@
           <a:effectLst/>
           <a:extLst>
             <a:ext uri="{909E8E84-426E-40dd-AFC4-6F175D3DCCD1}">
-              <a14:hiddenFill xmlns:a14="http://schemas.microsoft.com/office/drawing/2010/main">
+              <a14:hiddenFill xmlns="" xmlns:a14="http://schemas.microsoft.com/office/drawing/2010/main">
                 <a:solidFill>
                   <a:schemeClr val="accent1"/>
                 </a:solidFill>
               </a14:hiddenFill>
             </a:ext>
             <a:ext uri="{91240B29-F687-4f45-9708-019B960494DF}">
-              <a14:hiddenLine xmlns:a14="http://schemas.microsoft.com/office/drawing/2010/main" w="9525">
+              <a14:hiddenLine xmlns="" xmlns:a14="http://schemas.microsoft.com/office/drawing/2010/main" w="9525">
                 <a:solidFill>
                   <a:schemeClr val="tx1"/>
                 </a:solidFill>
@@ -4118,7 +4140,7 @@
               </a14:hiddenLine>
             </a:ext>
             <a:ext uri="{AF507438-7753-43e0-B8FC-AC1667EBCBE1}">
-              <a14:hiddenEffects xmlns:a14="http://schemas.microsoft.com/office/drawing/2010/main">
+              <a14:hiddenEffects xmlns="" xmlns:a14="http://schemas.microsoft.com/office/drawing/2010/main">
                 <a:effectLst>
                   <a:outerShdw dist="35921" dir="2700000" algn="ctr" rotWithShape="0">
                     <a:schemeClr val="bg2"/>
@@ -4234,7 +4256,7 @@
             <a:r>
               <a:rPr lang="en-GB" sz="3200" dirty="0" smtClean="0">
                 <a:solidFill>
-                  <a:srgbClr val="132577"/>
+                  <a:srgbClr val="002060"/>
                 </a:solidFill>
               </a:rPr>
               <a:t>References.</a:t>
@@ -4244,7 +4266,7 @@
             <a:r>
               <a:rPr lang="en-US" sz="3200" dirty="0" smtClean="0">
                 <a:solidFill>
-                  <a:srgbClr val="132577"/>
+                  <a:srgbClr val="002060"/>
                 </a:solidFill>
                 <a:cs typeface="Arial" panose="020B0604020202020204" pitchFamily="34" charset="0"/>
               </a:rPr>
@@ -4253,7 +4275,7 @@
             <a:r>
               <a:rPr lang="en-US" sz="3200" dirty="0" err="1">
                 <a:solidFill>
-                  <a:srgbClr val="132577"/>
+                  <a:srgbClr val="002060"/>
                 </a:solidFill>
                 <a:cs typeface="Arial" panose="020B0604020202020204" pitchFamily="34" charset="0"/>
               </a:rPr>
@@ -4262,7 +4284,7 @@
             <a:r>
               <a:rPr lang="en-US" sz="3200" dirty="0">
                 <a:solidFill>
-                  <a:srgbClr val="132577"/>
+                  <a:srgbClr val="002060"/>
                 </a:solidFill>
                 <a:cs typeface="Arial" panose="020B0604020202020204" pitchFamily="34" charset="0"/>
               </a:rPr>
@@ -4271,7 +4293,7 @@
             <a:r>
               <a:rPr lang="en-US" sz="3200" dirty="0" err="1">
                 <a:solidFill>
-                  <a:srgbClr val="132577"/>
+                  <a:srgbClr val="002060"/>
                 </a:solidFill>
                 <a:cs typeface="Arial" panose="020B0604020202020204" pitchFamily="34" charset="0"/>
               </a:rPr>
@@ -4280,7 +4302,7 @@
             <a:r>
               <a:rPr lang="en-US" sz="3200" dirty="0">
                 <a:solidFill>
-                  <a:srgbClr val="132577"/>
+                  <a:srgbClr val="002060"/>
                 </a:solidFill>
                 <a:cs typeface="Arial" panose="020B0604020202020204" pitchFamily="34" charset="0"/>
               </a:rPr>
@@ -4289,7 +4311,7 @@
             <a:r>
               <a:rPr lang="en-US" sz="3200" dirty="0" err="1">
                 <a:solidFill>
-                  <a:srgbClr val="132577"/>
+                  <a:srgbClr val="002060"/>
                 </a:solidFill>
                 <a:cs typeface="Arial" panose="020B0604020202020204" pitchFamily="34" charset="0"/>
               </a:rPr>
@@ -4298,7 +4320,7 @@
             <a:r>
               <a:rPr lang="en-US" sz="3200" dirty="0">
                 <a:solidFill>
-                  <a:srgbClr val="132577"/>
+                  <a:srgbClr val="002060"/>
                 </a:solidFill>
                 <a:cs typeface="Arial" panose="020B0604020202020204" pitchFamily="34" charset="0"/>
               </a:rPr>
@@ -4307,18 +4329,33 @@
             <a:r>
               <a:rPr lang="en-US" sz="3200" dirty="0" smtClean="0">
                 <a:solidFill>
-                  <a:srgbClr val="132577"/>
-                </a:solidFill>
-                <a:cs typeface="Arial" panose="020B0604020202020204" pitchFamily="34" charset="0"/>
-              </a:rPr>
-              <a:t>2013)</a:t>
-            </a:r>
+                  <a:srgbClr val="002060"/>
+                </a:solidFill>
+                <a:cs typeface="Arial" panose="020B0604020202020204" pitchFamily="34" charset="0"/>
+              </a:rPr>
+              <a:t>2013</a:t>
+            </a:r>
+            <a:r>
+              <a:rPr lang="en-US" sz="3200" dirty="0">
+                <a:solidFill>
+                  <a:srgbClr val="002060"/>
+                </a:solidFill>
+                <a:cs typeface="Arial" panose="020B0604020202020204" pitchFamily="34" charset="0"/>
+              </a:rPr>
+              <a:t>) http://orange.biolab.si</a:t>
+            </a:r>
+            <a:endParaRPr lang="en-US" sz="3200" dirty="0" smtClean="0">
+              <a:solidFill>
+                <a:srgbClr val="002060"/>
+              </a:solidFill>
+              <a:cs typeface="Arial" panose="020B0604020202020204" pitchFamily="34" charset="0"/>
+            </a:endParaRPr>
           </a:p>
           <a:p>
             <a:r>
               <a:rPr lang="en-US" sz="3200" dirty="0" smtClean="0">
                 <a:solidFill>
-                  <a:srgbClr val="132577"/>
+                  <a:srgbClr val="002060"/>
                 </a:solidFill>
                 <a:cs typeface="Arial" panose="020B0604020202020204" pitchFamily="34" charset="0"/>
               </a:rPr>
@@ -4327,7 +4364,7 @@
             <a:r>
               <a:rPr lang="en-US" sz="3200" dirty="0" err="1">
                 <a:solidFill>
-                  <a:srgbClr val="132577"/>
+                  <a:srgbClr val="002060"/>
                 </a:solidFill>
                 <a:cs typeface="Arial" panose="020B0604020202020204" pitchFamily="34" charset="0"/>
               </a:rPr>
@@ -4336,7 +4373,7 @@
             <a:r>
               <a:rPr lang="en-US" sz="3200" dirty="0">
                 <a:solidFill>
-                  <a:srgbClr val="132577"/>
+                  <a:srgbClr val="002060"/>
                 </a:solidFill>
                 <a:cs typeface="Arial" panose="020B0604020202020204" pitchFamily="34" charset="0"/>
               </a:rPr>
@@ -4345,7 +4382,7 @@
             <a:r>
               <a:rPr lang="en-US" sz="3200" dirty="0" err="1">
                 <a:solidFill>
-                  <a:srgbClr val="132577"/>
+                  <a:srgbClr val="002060"/>
                 </a:solidFill>
                 <a:cs typeface="Arial" panose="020B0604020202020204" pitchFamily="34" charset="0"/>
               </a:rPr>
@@ -4354,30 +4391,359 @@
             <a:r>
               <a:rPr lang="en-US" sz="3200" dirty="0">
                 <a:solidFill>
-                  <a:srgbClr val="132577"/>
-                </a:solidFill>
-                <a:cs typeface="Arial" panose="020B0604020202020204" pitchFamily="34" charset="0"/>
-              </a:rPr>
-              <a:t>, P. Proceedings of the EPAC98 Conference, 22–26 June 1998, 1177</a:t>
-            </a:r>
-          </a:p>
-          <a:p>
-            <a:r>
-              <a:rPr lang="en-US" sz="3200" dirty="0" smtClean="0"/>
+                  <a:srgbClr val="002060"/>
+                </a:solidFill>
+                <a:cs typeface="Arial" panose="020B0604020202020204" pitchFamily="34" charset="0"/>
+              </a:rPr>
+              <a:t>, P. Proceedings of the EPAC98 Conference, 22–26 June 1998, 1177 </a:t>
+            </a:r>
+            <a:r>
+              <a:rPr lang="en-US" sz="3200" dirty="0" smtClean="0">
+                <a:solidFill>
+                  <a:srgbClr val="002060"/>
+                </a:solidFill>
+                <a:cs typeface="Arial" panose="020B0604020202020204" pitchFamily="34" charset="0"/>
+              </a:rPr>
+              <a:t>https</a:t>
+            </a:r>
+            <a:r>
+              <a:rPr lang="en-US" sz="3200" dirty="0">
+                <a:solidFill>
+                  <a:srgbClr val="002060"/>
+                </a:solidFill>
+                <a:cs typeface="Arial" panose="020B0604020202020204" pitchFamily="34" charset="0"/>
+              </a:rPr>
+              <a:t>://</a:t>
+            </a:r>
+            <a:r>
+              <a:rPr lang="en-US" sz="3200" dirty="0" smtClean="0">
+                <a:solidFill>
+                  <a:srgbClr val="002060"/>
+                </a:solidFill>
+                <a:cs typeface="Arial" panose="020B0604020202020204" pitchFamily="34" charset="0"/>
+              </a:rPr>
+              <a:t>github.com/ochubar/srw</a:t>
+            </a:r>
+            <a:endParaRPr lang="en-US" sz="3200" dirty="0">
+              <a:solidFill>
+                <a:srgbClr val="002060"/>
+              </a:solidFill>
+              <a:cs typeface="Arial" panose="020B0604020202020204" pitchFamily="34" charset="0"/>
+            </a:endParaRPr>
+          </a:p>
+          <a:p>
+            <a:r>
+              <a:rPr lang="en-US" sz="3200" dirty="0" smtClean="0">
+                <a:solidFill>
+                  <a:srgbClr val="002060"/>
+                </a:solidFill>
+              </a:rPr>
               <a:t>[3] L</a:t>
             </a:r>
             <a:r>
-              <a:rPr lang="en-US" sz="3200" dirty="0"/>
+              <a:rPr lang="en-US" sz="3200" dirty="0">
+                <a:solidFill>
+                  <a:srgbClr val="002060"/>
+                </a:solidFill>
+              </a:rPr>
               <a:t>. Raimondi and D. </a:t>
             </a:r>
             <a:r>
-              <a:rPr lang="en-US" sz="3200" dirty="0" err="1"/>
+              <a:rPr lang="en-US" sz="3200" dirty="0" err="1">
+                <a:solidFill>
+                  <a:srgbClr val="002060"/>
+                </a:solidFill>
+              </a:rPr>
               <a:t>Spiga</a:t>
             </a:r>
             <a:r>
-              <a:rPr lang="en-US" sz="3200" dirty="0"/>
-              <a:t>, Astronomy and Astrophysics 573, p. A22 (2015). </a:t>
-            </a:r>
+              <a:rPr lang="en-US" sz="3200" dirty="0">
+                <a:solidFill>
+                  <a:srgbClr val="002060"/>
+                </a:solidFill>
+              </a:rPr>
+              <a:t>, Astronomy and Astrophysics 573, p. A22 (2015</a:t>
+            </a:r>
+            <a:r>
+              <a:rPr lang="en-US" sz="3200" dirty="0" smtClean="0">
+                <a:solidFill>
+                  <a:srgbClr val="002060"/>
+                </a:solidFill>
+              </a:rPr>
+              <a:t>)</a:t>
+            </a:r>
+          </a:p>
+          <a:p>
+            <a:r>
+              <a:rPr lang="en-US" sz="3200" dirty="0">
+                <a:solidFill>
+                  <a:srgbClr val="002060"/>
+                </a:solidFill>
+              </a:rPr>
+              <a:t>[4] </a:t>
+            </a:r>
+            <a:r>
+              <a:rPr lang="en-US" sz="3200" dirty="0" smtClean="0">
+                <a:solidFill>
+                  <a:srgbClr val="002060"/>
+                </a:solidFill>
+              </a:rPr>
+              <a:t>M Sanchez del Rio </a:t>
+            </a:r>
+            <a:r>
+              <a:rPr lang="en-US" sz="3200" i="1" dirty="0" smtClean="0">
+                <a:solidFill>
+                  <a:srgbClr val="002060"/>
+                </a:solidFill>
+              </a:rPr>
+              <a:t>et al</a:t>
+            </a:r>
+            <a:r>
+              <a:rPr lang="en-US" sz="3200" dirty="0" smtClean="0">
+                <a:solidFill>
+                  <a:srgbClr val="002060"/>
+                </a:solidFill>
+              </a:rPr>
+              <a:t>, Journal </a:t>
+            </a:r>
+            <a:r>
+              <a:rPr lang="en-US" sz="3200" dirty="0">
+                <a:solidFill>
+                  <a:srgbClr val="002060"/>
+                </a:solidFill>
+              </a:rPr>
+              <a:t>of Synchrotron Radiation </a:t>
+            </a:r>
+            <a:r>
+              <a:rPr lang="en-US" sz="3200" dirty="0" smtClean="0">
+                <a:solidFill>
+                  <a:srgbClr val="002060"/>
+                </a:solidFill>
+              </a:rPr>
+              <a:t>23  665-678 (2016) </a:t>
+            </a:r>
+          </a:p>
+          <a:p>
+            <a:r>
+              <a:rPr lang="en-US" sz="3200" dirty="0" smtClean="0">
+                <a:solidFill>
+                  <a:srgbClr val="002060"/>
+                </a:solidFill>
+              </a:rPr>
+              <a:t>[5] M. </a:t>
+            </a:r>
+            <a:r>
+              <a:rPr lang="en-US" sz="3200" dirty="0">
+                <a:solidFill>
+                  <a:srgbClr val="002060"/>
+                </a:solidFill>
+              </a:rPr>
+              <a:t>Glass, </a:t>
+            </a:r>
+            <a:r>
+              <a:rPr lang="en-US" sz="3200" dirty="0" smtClean="0">
+                <a:solidFill>
+                  <a:srgbClr val="002060"/>
+                </a:solidFill>
+              </a:rPr>
+              <a:t>M. </a:t>
+            </a:r>
+            <a:r>
+              <a:rPr lang="en-US" sz="3200" dirty="0">
+                <a:solidFill>
+                  <a:srgbClr val="002060"/>
+                </a:solidFill>
+              </a:rPr>
+              <a:t>Sanchez del Rio </a:t>
+            </a:r>
+            <a:r>
+              <a:rPr lang="en-US" sz="3200" dirty="0" smtClean="0">
+                <a:solidFill>
+                  <a:srgbClr val="002060"/>
+                </a:solidFill>
+              </a:rPr>
+              <a:t>EPL </a:t>
+            </a:r>
+            <a:r>
+              <a:rPr lang="en-US" sz="3200" dirty="0">
+                <a:solidFill>
+                  <a:srgbClr val="002060"/>
+                </a:solidFill>
+              </a:rPr>
+              <a:t>(</a:t>
+            </a:r>
+            <a:r>
+              <a:rPr lang="en-US" sz="3200" dirty="0" err="1">
+                <a:solidFill>
+                  <a:srgbClr val="002060"/>
+                </a:solidFill>
+              </a:rPr>
+              <a:t>Europhysics</a:t>
+            </a:r>
+            <a:r>
+              <a:rPr lang="en-US" sz="3200" dirty="0">
+                <a:solidFill>
+                  <a:srgbClr val="002060"/>
+                </a:solidFill>
+              </a:rPr>
+              <a:t> Letters) </a:t>
+            </a:r>
+            <a:r>
+              <a:rPr lang="en-US" sz="3200" dirty="0" smtClean="0">
+                <a:solidFill>
+                  <a:srgbClr val="002060"/>
+                </a:solidFill>
+              </a:rPr>
+              <a:t>119  3 </a:t>
+            </a:r>
+            <a:r>
+              <a:rPr lang="en-US" sz="3200" dirty="0">
+                <a:solidFill>
+                  <a:srgbClr val="002060"/>
+                </a:solidFill>
+              </a:rPr>
+              <a:t>(2017) </a:t>
+            </a:r>
+            <a:endParaRPr lang="en-US" sz="3200" dirty="0" smtClean="0">
+              <a:solidFill>
+                <a:srgbClr val="002060"/>
+              </a:solidFill>
+            </a:endParaRPr>
+          </a:p>
+          <a:p>
+            <a:r>
+              <a:rPr lang="en-US" sz="3200" dirty="0">
+                <a:solidFill>
+                  <a:srgbClr val="002060"/>
+                </a:solidFill>
+              </a:rPr>
+              <a:t>[6] </a:t>
+            </a:r>
+            <a:r>
+              <a:rPr lang="en-US" sz="3200" dirty="0" err="1" smtClean="0">
+                <a:solidFill>
+                  <a:srgbClr val="002060"/>
+                </a:solidFill>
+              </a:rPr>
+              <a:t>X.Shi</a:t>
+            </a:r>
+            <a:r>
+              <a:rPr lang="en-US" sz="3200" dirty="0">
+                <a:solidFill>
+                  <a:srgbClr val="002060"/>
+                </a:solidFill>
+              </a:rPr>
+              <a:t>, </a:t>
+            </a:r>
+            <a:r>
+              <a:rPr lang="en-US" sz="3200" dirty="0" err="1" smtClean="0">
+                <a:solidFill>
+                  <a:srgbClr val="002060"/>
+                </a:solidFill>
+              </a:rPr>
+              <a:t>R.Reininger</a:t>
+            </a:r>
+            <a:r>
+              <a:rPr lang="en-US" sz="3200" dirty="0">
+                <a:solidFill>
+                  <a:srgbClr val="002060"/>
+                </a:solidFill>
+              </a:rPr>
+              <a:t>, </a:t>
+            </a:r>
+            <a:r>
+              <a:rPr lang="en-US" sz="3200" dirty="0" err="1" smtClean="0">
+                <a:solidFill>
+                  <a:srgbClr val="002060"/>
+                </a:solidFill>
+              </a:rPr>
+              <a:t>M.Sanchez</a:t>
+            </a:r>
+            <a:r>
+              <a:rPr lang="en-US" sz="3200" dirty="0" smtClean="0">
+                <a:solidFill>
+                  <a:srgbClr val="002060"/>
+                </a:solidFill>
+              </a:rPr>
+              <a:t> </a:t>
+            </a:r>
+            <a:r>
+              <a:rPr lang="en-US" sz="3200" dirty="0">
+                <a:solidFill>
+                  <a:srgbClr val="002060"/>
+                </a:solidFill>
+              </a:rPr>
+              <a:t>del Rio, </a:t>
+            </a:r>
+            <a:r>
+              <a:rPr lang="en-US" sz="3200" dirty="0" err="1" smtClean="0">
+                <a:solidFill>
+                  <a:srgbClr val="002060"/>
+                </a:solidFill>
+              </a:rPr>
+              <a:t>L.Assoufid</a:t>
+            </a:r>
+            <a:r>
+              <a:rPr lang="en-US" sz="3200" dirty="0" smtClean="0">
+                <a:solidFill>
+                  <a:srgbClr val="002060"/>
+                </a:solidFill>
+              </a:rPr>
+              <a:t> Journal </a:t>
+            </a:r>
+            <a:r>
+              <a:rPr lang="en-US" sz="3200" dirty="0">
+                <a:solidFill>
+                  <a:srgbClr val="002060"/>
+                </a:solidFill>
+              </a:rPr>
+              <a:t>of Synchrotron Radiation </a:t>
+            </a:r>
+            <a:r>
+              <a:rPr lang="en-US" sz="3200" dirty="0" smtClean="0">
+                <a:solidFill>
+                  <a:srgbClr val="002060"/>
+                </a:solidFill>
+              </a:rPr>
+              <a:t>21</a:t>
+            </a:r>
+            <a:r>
+              <a:rPr lang="en-US" sz="3200" dirty="0">
+                <a:solidFill>
+                  <a:srgbClr val="002060"/>
+                </a:solidFill>
+              </a:rPr>
+              <a:t> </a:t>
+            </a:r>
+            <a:r>
+              <a:rPr lang="en-US" sz="3200" dirty="0" smtClean="0">
+                <a:solidFill>
+                  <a:srgbClr val="002060"/>
+                </a:solidFill>
+              </a:rPr>
+              <a:t> 669-678 </a:t>
+            </a:r>
+            <a:r>
+              <a:rPr lang="en-US" sz="3200" dirty="0">
+                <a:solidFill>
+                  <a:srgbClr val="002060"/>
+                </a:solidFill>
+              </a:rPr>
+              <a:t>(2014)</a:t>
+            </a:r>
+            <a:r>
+              <a:rPr lang="en-US" sz="3200" dirty="0" smtClean="0">
+                <a:solidFill>
+                  <a:srgbClr val="002060"/>
+                </a:solidFill>
+              </a:rPr>
+              <a:t> </a:t>
+            </a:r>
+            <a:endParaRPr lang="en-US" sz="3200" dirty="0">
+              <a:solidFill>
+                <a:srgbClr val="002060"/>
+              </a:solidFill>
+            </a:endParaRPr>
           </a:p>
         </p:txBody>
       </p:sp>
@@ -4389,7 +4755,7 @@
         </p:nvCxnSpPr>
         <p:spPr>
           <a:xfrm>
-            <a:off x="375966" y="40628017"/>
+            <a:off x="591990" y="39259865"/>
             <a:ext cx="29163240" cy="72008"/>
           </a:xfrm>
           <a:prstGeom prst="line">
@@ -4426,7 +4792,7 @@
         </p:nvSpPr>
         <p:spPr bwMode="auto">
           <a:xfrm>
-            <a:off x="15641662" y="10888713"/>
+            <a:off x="15353630" y="10989250"/>
             <a:ext cx="13969552" cy="5732111"/>
           </a:xfrm>
           <a:prstGeom prst="rect">
@@ -4439,14 +4805,14 @@
           <a:effectLst/>
           <a:extLst>
             <a:ext uri="{909E8E84-426E-40dd-AFC4-6F175D3DCCD1}">
-              <a14:hiddenFill xmlns:a14="http://schemas.microsoft.com/office/drawing/2010/main">
+              <a14:hiddenFill xmlns="" xmlns:a14="http://schemas.microsoft.com/office/drawing/2010/main">
                 <a:solidFill>
                   <a:schemeClr val="accent1"/>
                 </a:solidFill>
               </a14:hiddenFill>
             </a:ext>
             <a:ext uri="{91240B29-F687-4f45-9708-019B960494DF}">
-              <a14:hiddenLine xmlns:a14="http://schemas.microsoft.com/office/drawing/2010/main" w="9525">
+              <a14:hiddenLine xmlns="" xmlns:a14="http://schemas.microsoft.com/office/drawing/2010/main" w="9525">
                 <a:solidFill>
                   <a:schemeClr val="tx1"/>
                 </a:solidFill>
@@ -4456,7 +4822,7 @@
               </a14:hiddenLine>
             </a:ext>
             <a:ext uri="{AF507438-7753-43e0-B8FC-AC1667EBCBE1}">
-              <a14:hiddenEffects xmlns:a14="http://schemas.microsoft.com/office/drawing/2010/main">
+              <a14:hiddenEffects xmlns="" xmlns:a14="http://schemas.microsoft.com/office/drawing/2010/main">
                 <a:effectLst>
                   <a:outerShdw dist="35921" dir="2700000" algn="ctr" rotWithShape="0">
                     <a:schemeClr val="bg2"/>
@@ -4569,7 +4935,7 @@
             </a:lvl9pPr>
           </a:lstStyle>
           <a:p>
-            <a:pPr>
+            <a:pPr algn="ctr">
               <a:spcBef>
                 <a:spcPct val="50000"/>
               </a:spcBef>
@@ -4577,7 +4943,7 @@
             <a:r>
               <a:rPr lang="en-US" sz="4000" b="1" dirty="0" smtClean="0">
                 <a:solidFill>
-                  <a:srgbClr val="132577"/>
+                  <a:srgbClr val="002060"/>
                 </a:solidFill>
                 <a:cs typeface="Arial" panose="020B0604020202020204" pitchFamily="34" charset="0"/>
               </a:rPr>
@@ -4586,7 +4952,7 @@
             <a:r>
               <a:rPr lang="en-US" sz="4000" b="1" dirty="0" err="1" smtClean="0">
                 <a:solidFill>
-                  <a:srgbClr val="132577"/>
+                  <a:srgbClr val="002060"/>
                 </a:solidFill>
                 <a:cs typeface="Arial" panose="020B0604020202020204" pitchFamily="34" charset="0"/>
               </a:rPr>
@@ -4595,7 +4961,7 @@
             <a:r>
               <a:rPr lang="en-US" sz="4000" b="1" dirty="0" smtClean="0">
                 <a:solidFill>
-                  <a:srgbClr val="132577"/>
+                  <a:srgbClr val="002060"/>
                 </a:solidFill>
                 <a:cs typeface="Arial" panose="020B0604020202020204" pitchFamily="34" charset="0"/>
               </a:rPr>
@@ -4603,108 +4969,192 @@
             </a:r>
             <a:endParaRPr lang="en-US" sz="4000" b="1" dirty="0">
               <a:solidFill>
-                <a:srgbClr val="132577"/>
+                <a:srgbClr val="002060"/>
               </a:solidFill>
               <a:cs typeface="Arial" panose="020B0604020202020204" pitchFamily="34" charset="0"/>
             </a:endParaRPr>
           </a:p>
           <a:p>
-            <a:pPr>
+            <a:pPr algn="just">
               <a:spcBef>
                 <a:spcPct val="50000"/>
               </a:spcBef>
             </a:pPr>
             <a:r>
-              <a:rPr lang="en-US" sz="3600" dirty="0" smtClean="0"/>
+              <a:rPr lang="en-US" sz="3600" dirty="0" smtClean="0">
+                <a:solidFill>
+                  <a:srgbClr val="002060"/>
+                </a:solidFill>
+              </a:rPr>
               <a:t>OASYS contains </a:t>
             </a:r>
             <a:r>
-              <a:rPr lang="en-US" sz="3600" dirty="0"/>
+              <a:rPr lang="en-US" sz="3600" dirty="0">
+                <a:solidFill>
+                  <a:srgbClr val="002060"/>
+                </a:solidFill>
+              </a:rPr>
               <a:t>different small programs to calculate the </a:t>
             </a:r>
             <a:r>
-              <a:rPr lang="en-US" sz="3600" dirty="0" smtClean="0"/>
+              <a:rPr lang="en-US" sz="3600" dirty="0" smtClean="0">
+                <a:solidFill>
+                  <a:srgbClr val="002060"/>
+                </a:solidFill>
+              </a:rPr>
               <a:t>individual </a:t>
             </a:r>
             <a:r>
-              <a:rPr lang="en-US" sz="3600" dirty="0"/>
+              <a:rPr lang="en-US" sz="3600" dirty="0">
+                <a:solidFill>
+                  <a:srgbClr val="002060"/>
+                </a:solidFill>
+              </a:rPr>
               <a:t>response </a:t>
             </a:r>
             <a:r>
-              <a:rPr lang="en-US" sz="3600" dirty="0" smtClean="0"/>
-              <a:t>of sources (spectral and angular characteristics), optical elements (mirror, crystals, etc.). </a:t>
-            </a:r>
-            <a:endParaRPr lang="en-US" sz="3600" dirty="0"/>
-          </a:p>
-          <a:p>
-            <a:pPr>
+              <a:rPr lang="en-US" sz="3600" dirty="0" smtClean="0">
+                <a:solidFill>
+                  <a:srgbClr val="002060"/>
+                </a:solidFill>
+              </a:rPr>
+              <a:t>of sources (spectral and angular characteristics), optical elements (mirror, crystals, etc.) and other tools. </a:t>
+            </a:r>
+            <a:endParaRPr lang="en-US" sz="3600" dirty="0">
+              <a:solidFill>
+                <a:srgbClr val="002060"/>
+              </a:solidFill>
+            </a:endParaRPr>
+          </a:p>
+          <a:p>
+            <a:pPr algn="just">
               <a:spcBef>
                 <a:spcPct val="50000"/>
               </a:spcBef>
             </a:pPr>
             <a:r>
-              <a:rPr lang="en-US" sz="3600" dirty="0"/>
+              <a:rPr lang="en-US" sz="3600" dirty="0">
+                <a:solidFill>
+                  <a:srgbClr val="002060"/>
+                </a:solidFill>
+              </a:rPr>
               <a:t>OASYS defines a uniform and exchangeable description of </a:t>
             </a:r>
             <a:r>
-              <a:rPr lang="en-US" sz="3600" dirty="0" smtClean="0"/>
+              <a:rPr lang="en-US" sz="3600" dirty="0" smtClean="0">
+                <a:solidFill>
+                  <a:srgbClr val="002060"/>
+                </a:solidFill>
+              </a:rPr>
               <a:t>the </a:t>
             </a:r>
             <a:r>
-              <a:rPr lang="en-US" sz="3600" dirty="0"/>
+              <a:rPr lang="en-US" sz="3600" dirty="0">
+                <a:solidFill>
+                  <a:srgbClr val="002060"/>
+                </a:solidFill>
+              </a:rPr>
               <a:t>components of the virtual </a:t>
             </a:r>
             <a:r>
-              <a:rPr lang="en-US" sz="3600" dirty="0" smtClean="0"/>
+              <a:rPr lang="en-US" sz="3600" dirty="0" smtClean="0">
+                <a:solidFill>
+                  <a:srgbClr val="002060"/>
+                </a:solidFill>
+              </a:rPr>
               <a:t>experiment. This </a:t>
             </a:r>
             <a:r>
-              <a:rPr lang="en-US" sz="3600" dirty="0"/>
+              <a:rPr lang="en-US" sz="3600" dirty="0">
+                <a:solidFill>
+                  <a:srgbClr val="002060"/>
+                </a:solidFill>
+              </a:rPr>
               <a:t>is implemented by </a:t>
             </a:r>
             <a:r>
-              <a:rPr lang="en-US" sz="3600" dirty="0" smtClean="0"/>
+              <a:rPr lang="en-US" sz="3600" dirty="0" smtClean="0">
+                <a:solidFill>
+                  <a:srgbClr val="002060"/>
+                </a:solidFill>
+              </a:rPr>
               <a:t>SYNED </a:t>
             </a:r>
             <a:r>
-              <a:rPr lang="en-US" sz="3600" dirty="0"/>
+              <a:rPr lang="en-US" sz="3600" dirty="0">
+                <a:solidFill>
+                  <a:srgbClr val="002060"/>
+                </a:solidFill>
+              </a:rPr>
               <a:t>(</a:t>
             </a:r>
             <a:r>
-              <a:rPr lang="en-US" sz="3600" dirty="0" err="1"/>
+              <a:rPr lang="en-US" sz="3600" dirty="0" err="1">
+                <a:solidFill>
+                  <a:srgbClr val="002060"/>
+                </a:solidFill>
+              </a:rPr>
               <a:t>SYNchrotron</a:t>
             </a:r>
             <a:r>
-              <a:rPr lang="en-US" sz="3600" dirty="0"/>
+              <a:rPr lang="en-US" sz="3600" dirty="0">
+                <a:solidFill>
+                  <a:srgbClr val="002060"/>
+                </a:solidFill>
+              </a:rPr>
               <a:t> Elements Dictionary)</a:t>
             </a:r>
             <a:r>
-              <a:rPr lang="en-US" sz="3600" dirty="0" smtClean="0"/>
+              <a:rPr lang="en-US" sz="3600" dirty="0" smtClean="0">
+                <a:solidFill>
+                  <a:srgbClr val="002060"/>
+                </a:solidFill>
+              </a:rPr>
               <a:t>  a </a:t>
             </a:r>
             <a:r>
-              <a:rPr lang="en-US" sz="3600" dirty="0"/>
+              <a:rPr lang="en-US" sz="3600" dirty="0">
+                <a:solidFill>
+                  <a:srgbClr val="002060"/>
+                </a:solidFill>
+              </a:rPr>
               <a:t>framework library that </a:t>
             </a:r>
             <a:r>
-              <a:rPr lang="en-US" sz="3600" dirty="0" smtClean="0"/>
+              <a:rPr lang="en-US" sz="3600" dirty="0" smtClean="0">
+                <a:solidFill>
+                  <a:srgbClr val="002060"/>
+                </a:solidFill>
+              </a:rPr>
               <a:t>provides </a:t>
             </a:r>
             <a:r>
-              <a:rPr lang="en-US" sz="3600" dirty="0"/>
+              <a:rPr lang="en-US" sz="3600" dirty="0">
+                <a:solidFill>
+                  <a:srgbClr val="002060"/>
+                </a:solidFill>
+              </a:rPr>
               <a:t>the glossary </a:t>
             </a:r>
             <a:r>
-              <a:rPr lang="en-US" sz="3600" dirty="0" smtClean="0"/>
+              <a:rPr lang="en-US" sz="3600" dirty="0" smtClean="0">
+                <a:solidFill>
+                  <a:srgbClr val="002060"/>
+                </a:solidFill>
+              </a:rPr>
               <a:t>of </a:t>
             </a:r>
             <a:r>
-              <a:rPr lang="en-US" sz="3600" dirty="0"/>
+              <a:rPr lang="en-US" sz="3600" dirty="0">
+                <a:solidFill>
+                  <a:srgbClr val="002060"/>
+                </a:solidFill>
+              </a:rPr>
               <a:t>light sources and optical components, together with a set of dedicated widgets. </a:t>
             </a:r>
             <a:endParaRPr lang="en-GB" sz="3600" dirty="0">
               <a:solidFill>
-                <a:srgbClr val="132577"/>
+                <a:srgbClr val="002060"/>
               </a:solidFill>
               <a:cs typeface="Arial" panose="020B0604020202020204" pitchFamily="34" charset="0"/>
             </a:endParaRPr>
@@ -4721,8 +5171,8 @@
         </p:nvSpPr>
         <p:spPr bwMode="auto">
           <a:xfrm>
-            <a:off x="15641662" y="37459665"/>
-            <a:ext cx="12932120" cy="1577127"/>
+            <a:off x="15497646" y="36601882"/>
+            <a:ext cx="14113568" cy="2500456"/>
           </a:xfrm>
           <a:prstGeom prst="rect">
             <a:avLst/>
@@ -4734,14 +5184,14 @@
           <a:effectLst/>
           <a:extLst>
             <a:ext uri="{909E8E84-426E-40dd-AFC4-6F175D3DCCD1}">
-              <a14:hiddenFill xmlns:a14="http://schemas.microsoft.com/office/drawing/2010/main">
+              <a14:hiddenFill xmlns="" xmlns:a14="http://schemas.microsoft.com/office/drawing/2010/main">
                 <a:solidFill>
                   <a:schemeClr val="accent1"/>
                 </a:solidFill>
               </a14:hiddenFill>
             </a:ext>
             <a:ext uri="{91240B29-F687-4f45-9708-019B960494DF}">
-              <a14:hiddenLine xmlns:a14="http://schemas.microsoft.com/office/drawing/2010/main" w="9525">
+              <a14:hiddenLine xmlns="" xmlns:a14="http://schemas.microsoft.com/office/drawing/2010/main" w="9525">
                 <a:solidFill>
                   <a:schemeClr val="tx1"/>
                 </a:solidFill>
@@ -4751,7 +5201,7 @@
               </a14:hiddenLine>
             </a:ext>
             <a:ext uri="{AF507438-7753-43e0-B8FC-AC1667EBCBE1}">
-              <a14:hiddenEffects xmlns:a14="http://schemas.microsoft.com/office/drawing/2010/main">
+              <a14:hiddenEffects xmlns="" xmlns:a14="http://schemas.microsoft.com/office/drawing/2010/main">
                 <a:effectLst>
                   <a:outerShdw dist="35921" dir="2700000" algn="ctr" rotWithShape="0">
                     <a:schemeClr val="bg2"/>
@@ -4872,18 +5322,12 @@
             <a:r>
               <a:rPr lang="en-US" sz="4000" b="1" dirty="0" smtClean="0">
                 <a:solidFill>
-                  <a:srgbClr val="132577"/>
+                  <a:srgbClr val="002060"/>
                 </a:solidFill>
                 <a:cs typeface="Arial" panose="020B0604020202020204" pitchFamily="34" charset="0"/>
               </a:rPr>
               <a:t>Availability</a:t>
             </a:r>
-            <a:endParaRPr lang="en-GB" sz="4000" b="1" dirty="0">
-              <a:solidFill>
-                <a:srgbClr val="132577"/>
-              </a:solidFill>
-              <a:cs typeface="Arial" panose="020B0604020202020204" pitchFamily="34" charset="0"/>
-            </a:endParaRPr>
           </a:p>
           <a:p>
             <a:pPr>
@@ -4891,54 +5335,49 @@
                 <a:spcPct val="50000"/>
               </a:spcBef>
             </a:pPr>
+            <a:endParaRPr lang="en-GB" sz="4000" b="1" dirty="0">
+              <a:solidFill>
+                <a:srgbClr val="002060"/>
+              </a:solidFill>
+              <a:cs typeface="Arial" panose="020B0604020202020204" pitchFamily="34" charset="0"/>
+            </a:endParaRPr>
+          </a:p>
+          <a:p>
+            <a:pPr>
+              <a:spcBef>
+                <a:spcPct val="50000"/>
+              </a:spcBef>
+            </a:pPr>
+            <a:r>
+              <a:rPr lang="en-GB" sz="3600" dirty="0">
+                <a:solidFill>
+                  <a:srgbClr val="002060"/>
+                </a:solidFill>
+                <a:cs typeface="Arial" panose="020B0604020202020204" pitchFamily="34" charset="0"/>
+              </a:rPr>
+              <a:t>http://www.elettra.eu/oasys.html </a:t>
+            </a:r>
             <a:r>
               <a:rPr lang="en-GB" sz="3600" dirty="0" smtClean="0">
                 <a:solidFill>
-                  <a:srgbClr val="132577"/>
-                </a:solidFill>
-                <a:cs typeface="Arial" panose="020B0604020202020204" pitchFamily="34" charset="0"/>
-              </a:rPr>
-              <a:t>http://</a:t>
-            </a:r>
-            <a:r>
-              <a:rPr lang="en-GB" sz="3600" dirty="0" err="1" smtClean="0">
-                <a:solidFill>
-                  <a:srgbClr val="132577"/>
-                </a:solidFill>
-                <a:cs typeface="Arial" panose="020B0604020202020204" pitchFamily="34" charset="0"/>
-              </a:rPr>
-              <a:t>elettra.eu</a:t>
-            </a:r>
-            <a:r>
-              <a:rPr lang="en-GB" sz="3600" dirty="0" smtClean="0">
-                <a:solidFill>
-                  <a:srgbClr val="132577"/>
-                </a:solidFill>
-                <a:cs typeface="Arial" panose="020B0604020202020204" pitchFamily="34" charset="0"/>
-              </a:rPr>
-              <a:t>/</a:t>
-            </a:r>
-            <a:r>
-              <a:rPr lang="en-GB" sz="3600" dirty="0" err="1" smtClean="0">
-                <a:solidFill>
-                  <a:srgbClr val="132577"/>
-                </a:solidFill>
-                <a:cs typeface="Arial" panose="020B0604020202020204" pitchFamily="34" charset="0"/>
-              </a:rPr>
-              <a:t>oasys.htm</a:t>
-            </a:r>
-            <a:r>
-              <a:rPr lang="en-GB" sz="3600" dirty="0" err="1">
-                <a:solidFill>
-                  <a:srgbClr val="132577"/>
-                </a:solidFill>
-                <a:cs typeface="Arial" panose="020B0604020202020204" pitchFamily="34" charset="0"/>
-              </a:rPr>
-              <a:t>l</a:t>
+                  <a:srgbClr val="002060"/>
+                </a:solidFill>
+                <a:cs typeface="Arial" panose="020B0604020202020204" pitchFamily="34" charset="0"/>
+              </a:rPr>
+              <a:t>             </a:t>
+            </a:r>
+            <a:r>
+              <a:rPr lang="en-US" sz="3600" dirty="0" smtClean="0">
+                <a:solidFill>
+                  <a:srgbClr val="002060"/>
+                </a:solidFill>
+                <a:cs typeface="Arial" panose="020B0604020202020204" pitchFamily="34" charset="0"/>
+              </a:rPr>
+              <a:t>https://github.com/oasys-kit</a:t>
             </a:r>
             <a:endParaRPr lang="en-GB" sz="3600" dirty="0">
               <a:solidFill>
-                <a:srgbClr val="132577"/>
+                <a:srgbClr val="002060"/>
               </a:solidFill>
               <a:cs typeface="Arial" panose="020B0604020202020204" pitchFamily="34" charset="0"/>
             </a:endParaRPr>
@@ -4955,8 +5394,8 @@
         </p:nvSpPr>
         <p:spPr bwMode="auto">
           <a:xfrm>
-            <a:off x="952030" y="29682801"/>
-            <a:ext cx="12747885" cy="7640326"/>
+            <a:off x="931682" y="29934977"/>
+            <a:ext cx="12941300" cy="8871431"/>
           </a:xfrm>
           <a:prstGeom prst="rect">
             <a:avLst/>
@@ -4968,14 +5407,14 @@
           <a:effectLst/>
           <a:extLst>
             <a:ext uri="{909E8E84-426E-40dd-AFC4-6F175D3DCCD1}">
-              <a14:hiddenFill xmlns:a14="http://schemas.microsoft.com/office/drawing/2010/main">
+              <a14:hiddenFill xmlns="" xmlns:a14="http://schemas.microsoft.com/office/drawing/2010/main">
                 <a:solidFill>
                   <a:schemeClr val="accent1"/>
                 </a:solidFill>
               </a14:hiddenFill>
             </a:ext>
             <a:ext uri="{91240B29-F687-4f45-9708-019B960494DF}">
-              <a14:hiddenLine xmlns:a14="http://schemas.microsoft.com/office/drawing/2010/main" w="9525">
+              <a14:hiddenLine xmlns="" xmlns:a14="http://schemas.microsoft.com/office/drawing/2010/main" w="9525">
                 <a:solidFill>
                   <a:schemeClr val="tx1"/>
                 </a:solidFill>
@@ -4985,7 +5424,7 @@
               </a14:hiddenLine>
             </a:ext>
             <a:ext uri="{AF507438-7753-43e0-B8FC-AC1667EBCBE1}">
-              <a14:hiddenEffects xmlns:a14="http://schemas.microsoft.com/office/drawing/2010/main">
+              <a14:hiddenEffects xmlns="" xmlns:a14="http://schemas.microsoft.com/office/drawing/2010/main">
                 <a:effectLst>
                   <a:outerShdw dist="35921" dir="2700000" algn="ctr" rotWithShape="0">
                     <a:schemeClr val="bg2"/>
@@ -5098,7 +5537,7 @@
             </a:lvl9pPr>
           </a:lstStyle>
           <a:p>
-            <a:pPr>
+            <a:pPr algn="ctr">
               <a:spcBef>
                 <a:spcPct val="50000"/>
               </a:spcBef>
@@ -5106,7 +5545,7 @@
             <a:r>
               <a:rPr lang="en-US" sz="4000" b="1" dirty="0" smtClean="0">
                 <a:solidFill>
-                  <a:srgbClr val="132577"/>
+                  <a:srgbClr val="002060"/>
                 </a:solidFill>
                 <a:cs typeface="Arial" panose="020B0604020202020204" pitchFamily="34" charset="0"/>
               </a:rPr>
@@ -5114,73 +5553,41 @@
             </a:r>
             <a:endParaRPr lang="en-GB" sz="4000" b="1" dirty="0">
               <a:solidFill>
-                <a:srgbClr val="132577"/>
+                <a:srgbClr val="002060"/>
               </a:solidFill>
               <a:cs typeface="Arial" panose="020B0604020202020204" pitchFamily="34" charset="0"/>
             </a:endParaRPr>
           </a:p>
           <a:p>
-            <a:pPr>
+            <a:pPr marL="457200" indent="-457200">
               <a:spcBef>
                 <a:spcPct val="50000"/>
               </a:spcBef>
+              <a:buFont typeface="Arial" panose="020B0604020202020204" pitchFamily="34" charset="0"/>
+              <a:buChar char="•"/>
             </a:pPr>
             <a:r>
               <a:rPr lang="en-GB" sz="3200" dirty="0" smtClean="0">
                 <a:solidFill>
-                  <a:srgbClr val="132577"/>
-                </a:solidFill>
-                <a:cs typeface="Arial" panose="020B0604020202020204" pitchFamily="34" charset="0"/>
-              </a:rPr>
-              <a:t>Open source (https://</a:t>
-            </a:r>
-            <a:r>
-              <a:rPr lang="en-GB" sz="3200" dirty="0" err="1" smtClean="0">
-                <a:solidFill>
-                  <a:srgbClr val="132577"/>
-                </a:solidFill>
-                <a:cs typeface="Arial" panose="020B0604020202020204" pitchFamily="34" charset="0"/>
-              </a:rPr>
-              <a:t>github.com</a:t>
-            </a:r>
-            <a:r>
-              <a:rPr lang="en-GB" sz="3200" dirty="0" smtClean="0">
-                <a:solidFill>
-                  <a:srgbClr val="132577"/>
-                </a:solidFill>
-                <a:cs typeface="Arial" panose="020B0604020202020204" pitchFamily="34" charset="0"/>
-              </a:rPr>
-              <a:t>/</a:t>
-            </a:r>
-            <a:r>
-              <a:rPr lang="en-GB" sz="3200" dirty="0" err="1" smtClean="0">
-                <a:solidFill>
-                  <a:srgbClr val="132577"/>
-                </a:solidFill>
-                <a:cs typeface="Arial" panose="020B0604020202020204" pitchFamily="34" charset="0"/>
-              </a:rPr>
-              <a:t>oasys</a:t>
-            </a:r>
-            <a:r>
-              <a:rPr lang="en-GB" sz="3200" dirty="0" smtClean="0">
-                <a:solidFill>
-                  <a:srgbClr val="132577"/>
-                </a:solidFill>
-                <a:cs typeface="Arial" panose="020B0604020202020204" pitchFamily="34" charset="0"/>
-              </a:rPr>
-              <a:t>-kit/)</a:t>
-            </a:r>
-          </a:p>
-          <a:p>
-            <a:pPr>
+                  <a:srgbClr val="002060"/>
+                </a:solidFill>
+                <a:cs typeface="Arial" panose="020B0604020202020204" pitchFamily="34" charset="0"/>
+              </a:rPr>
+              <a:t>Open source  https://github.com/oasys-kit/</a:t>
+            </a:r>
+          </a:p>
+          <a:p>
+            <a:pPr marL="457200" indent="-457200">
               <a:spcBef>
                 <a:spcPct val="50000"/>
               </a:spcBef>
+              <a:buFont typeface="Arial" panose="020B0604020202020204" pitchFamily="34" charset="0"/>
+              <a:buChar char="•"/>
             </a:pPr>
             <a:r>
               <a:rPr lang="en-GB" sz="3200" dirty="0" smtClean="0">
                 <a:solidFill>
-                  <a:srgbClr val="132577"/>
+                  <a:srgbClr val="002060"/>
                 </a:solidFill>
                 <a:cs typeface="Arial" panose="020B0604020202020204" pitchFamily="34" charset="0"/>
               </a:rPr>
@@ -5189,7 +5596,7 @@
             <a:r>
               <a:rPr lang="en-US" sz="3200" dirty="0" err="1" smtClean="0">
                 <a:solidFill>
-                  <a:srgbClr val="132577"/>
+                  <a:srgbClr val="002060"/>
                 </a:solidFill>
                 <a:cs typeface="Arial" panose="020B0604020202020204" pitchFamily="34" charset="0"/>
               </a:rPr>
@@ -5198,7 +5605,7 @@
             <a:r>
               <a:rPr lang="en-US" sz="3200" dirty="0" smtClean="0">
                 <a:solidFill>
-                  <a:srgbClr val="132577"/>
+                  <a:srgbClr val="002060"/>
                 </a:solidFill>
                 <a:cs typeface="Arial" panose="020B0604020202020204" pitchFamily="34" charset="0"/>
               </a:rPr>
@@ -5206,15 +5613,17 @@
             </a:r>
           </a:p>
           <a:p>
-            <a:pPr>
+            <a:pPr marL="457200" indent="-457200">
               <a:spcBef>
                 <a:spcPct val="50000"/>
               </a:spcBef>
+              <a:buFont typeface="Arial" panose="020B0604020202020204" pitchFamily="34" charset="0"/>
+              <a:buChar char="•"/>
             </a:pPr>
             <a:r>
               <a:rPr lang="en-US" sz="3200" dirty="0" smtClean="0">
                 <a:solidFill>
-                  <a:srgbClr val="132577"/>
+                  <a:srgbClr val="002060"/>
                 </a:solidFill>
                 <a:cs typeface="Arial" panose="020B0604020202020204" pitchFamily="34" charset="0"/>
               </a:rPr>
@@ -5223,7 +5632,7 @@
             <a:r>
               <a:rPr lang="en-US" sz="3200" dirty="0" err="1" smtClean="0">
                 <a:solidFill>
-                  <a:srgbClr val="132577"/>
+                  <a:srgbClr val="002060"/>
                 </a:solidFill>
                 <a:cs typeface="Arial" panose="020B0604020202020204" pitchFamily="34" charset="0"/>
               </a:rPr>
@@ -5232,7 +5641,7 @@
             <a:r>
               <a:rPr lang="en-US" sz="3200" dirty="0" smtClean="0">
                 <a:solidFill>
-                  <a:srgbClr val="132577"/>
+                  <a:srgbClr val="002060"/>
                 </a:solidFill>
                 <a:cs typeface="Arial" panose="020B0604020202020204" pitchFamily="34" charset="0"/>
               </a:rPr>
@@ -5240,15 +5649,17 @@
             </a:r>
           </a:p>
           <a:p>
-            <a:pPr>
+            <a:pPr marL="457200" indent="-457200">
               <a:spcBef>
                 <a:spcPct val="50000"/>
               </a:spcBef>
+              <a:buFont typeface="Arial" panose="020B0604020202020204" pitchFamily="34" charset="0"/>
+              <a:buChar char="•"/>
             </a:pPr>
             <a:r>
               <a:rPr lang="en-US" sz="3200" dirty="0" smtClean="0">
                 <a:solidFill>
-                  <a:srgbClr val="132577"/>
+                  <a:srgbClr val="002060"/>
                 </a:solidFill>
                 <a:cs typeface="Arial" panose="020B0604020202020204" pitchFamily="34" charset="0"/>
               </a:rPr>
@@ -5257,7 +5668,7 @@
             <a:r>
               <a:rPr lang="en-US" sz="3200" dirty="0" err="1" smtClean="0">
                 <a:solidFill>
-                  <a:srgbClr val="132577"/>
+                  <a:srgbClr val="002060"/>
                 </a:solidFill>
                 <a:cs typeface="Arial" panose="020B0604020202020204" pitchFamily="34" charset="0"/>
               </a:rPr>
@@ -5266,7 +5677,7 @@
             <a:r>
               <a:rPr lang="en-US" sz="3200" dirty="0" smtClean="0">
                 <a:solidFill>
-                  <a:srgbClr val="132577"/>
+                  <a:srgbClr val="002060"/>
                 </a:solidFill>
                 <a:cs typeface="Arial" panose="020B0604020202020204" pitchFamily="34" charset="0"/>
               </a:rPr>
@@ -5275,7 +5686,7 @@
             <a:r>
               <a:rPr lang="en-US" sz="3200" dirty="0" err="1" smtClean="0">
                 <a:solidFill>
-                  <a:srgbClr val="132577"/>
+                  <a:srgbClr val="002060"/>
                 </a:solidFill>
                 <a:cs typeface="Arial" panose="020B0604020202020204" pitchFamily="34" charset="0"/>
               </a:rPr>
@@ -5284,7 +5695,7 @@
             <a:r>
               <a:rPr lang="en-US" sz="3200" dirty="0" smtClean="0">
                 <a:solidFill>
-                  <a:srgbClr val="132577"/>
+                  <a:srgbClr val="002060"/>
                 </a:solidFill>
                 <a:cs typeface="Arial" panose="020B0604020202020204" pitchFamily="34" charset="0"/>
               </a:rPr>
@@ -5292,15 +5703,17 @@
             </a:r>
           </a:p>
           <a:p>
-            <a:pPr>
+            <a:pPr marL="457200" indent="-457200">
               <a:spcBef>
                 <a:spcPct val="50000"/>
               </a:spcBef>
+              <a:buFont typeface="Arial" panose="020B0604020202020204" pitchFamily="34" charset="0"/>
+              <a:buChar char="•"/>
             </a:pPr>
             <a:r>
               <a:rPr lang="en-US" sz="3200" dirty="0" smtClean="0">
                 <a:solidFill>
-                  <a:srgbClr val="132577"/>
+                  <a:srgbClr val="002060"/>
                 </a:solidFill>
                 <a:cs typeface="Arial" panose="020B0604020202020204" pitchFamily="34" charset="0"/>
               </a:rPr>
@@ -5309,7 +5722,7 @@
             <a:r>
               <a:rPr lang="en-US" sz="3200" dirty="0" err="1" smtClean="0">
                 <a:solidFill>
-                  <a:srgbClr val="132577"/>
+                  <a:srgbClr val="002060"/>
                 </a:solidFill>
                 <a:cs typeface="Arial" panose="020B0604020202020204" pitchFamily="34" charset="0"/>
               </a:rPr>
@@ -5318,7 +5731,7 @@
             <a:r>
               <a:rPr lang="en-US" sz="3200" dirty="0">
                 <a:solidFill>
-                  <a:srgbClr val="132577"/>
+                  <a:srgbClr val="002060"/>
                 </a:solidFill>
                 <a:cs typeface="Arial" panose="020B0604020202020204" pitchFamily="34" charset="0"/>
               </a:rPr>
@@ -5327,7 +5740,7 @@
             <a:r>
               <a:rPr lang="en-US" sz="3200" dirty="0" err="1">
                 <a:solidFill>
-                  <a:srgbClr val="132577"/>
+                  <a:srgbClr val="002060"/>
                 </a:solidFill>
                 <a:cs typeface="Arial" panose="020B0604020202020204" pitchFamily="34" charset="0"/>
               </a:rPr>
@@ -5336,7 +5749,7 @@
             <a:r>
               <a:rPr lang="en-US" sz="3200" dirty="0">
                 <a:solidFill>
-                  <a:srgbClr val="132577"/>
+                  <a:srgbClr val="002060"/>
                 </a:solidFill>
                 <a:cs typeface="Arial" panose="020B0604020202020204" pitchFamily="34" charset="0"/>
               </a:rPr>
@@ -5345,7 +5758,7 @@
             <a:r>
               <a:rPr lang="en-US" sz="3200" dirty="0" err="1">
                 <a:solidFill>
-                  <a:srgbClr val="132577"/>
+                  <a:srgbClr val="002060"/>
                 </a:solidFill>
                 <a:cs typeface="Arial" panose="020B0604020202020204" pitchFamily="34" charset="0"/>
               </a:rPr>
@@ -5354,7 +5767,7 @@
             <a:r>
               <a:rPr lang="en-US" sz="3200" dirty="0">
                 <a:solidFill>
-                  <a:srgbClr val="132577"/>
+                  <a:srgbClr val="002060"/>
                 </a:solidFill>
                 <a:cs typeface="Arial" panose="020B0604020202020204" pitchFamily="34" charset="0"/>
               </a:rPr>
@@ -5363,7 +5776,7 @@
             <a:r>
               <a:rPr lang="en-US" sz="3200" dirty="0" err="1" smtClean="0">
                 <a:solidFill>
-                  <a:srgbClr val="132577"/>
+                  <a:srgbClr val="002060"/>
                 </a:solidFill>
                 <a:cs typeface="Arial" panose="020B0604020202020204" pitchFamily="34" charset="0"/>
               </a:rPr>
@@ -5372,7 +5785,7 @@
             <a:r>
               <a:rPr lang="en-US" sz="3200" dirty="0" smtClean="0">
                 <a:solidFill>
-                  <a:srgbClr val="132577"/>
+                  <a:srgbClr val="002060"/>
                 </a:solidFill>
                 <a:cs typeface="Arial" panose="020B0604020202020204" pitchFamily="34" charset="0"/>
               </a:rPr>
@@ -5380,31 +5793,107 @@
             </a:r>
           </a:p>
           <a:p>
-            <a:pPr>
+            <a:pPr marL="457200" indent="-457200">
               <a:spcBef>
                 <a:spcPct val="50000"/>
               </a:spcBef>
+              <a:buFont typeface="Arial" panose="020B0604020202020204" pitchFamily="34" charset="0"/>
+              <a:buChar char="•"/>
             </a:pPr>
             <a:r>
               <a:rPr lang="en-US" sz="3200" dirty="0" smtClean="0">
                 <a:solidFill>
-                  <a:srgbClr val="132577"/>
-                </a:solidFill>
-                <a:cs typeface="Arial" panose="020B0604020202020204" pitchFamily="34" charset="0"/>
-              </a:rPr>
-              <a:t>Ray tracing: shadow3</a:t>
-            </a:r>
-          </a:p>
-          <a:p>
-            <a:pPr>
+                  <a:srgbClr val="002060"/>
+                </a:solidFill>
+                <a:cs typeface="Arial" panose="020B0604020202020204" pitchFamily="34" charset="0"/>
+              </a:rPr>
+              <a:t>Ray tracing: shadow3 (</a:t>
+            </a:r>
+            <a:r>
+              <a:rPr lang="en-GB" sz="3200" dirty="0">
+                <a:solidFill>
+                  <a:srgbClr val="002060"/>
+                </a:solidFill>
+                <a:cs typeface="Arial" panose="020B0604020202020204" pitchFamily="34" charset="0"/>
+              </a:rPr>
+              <a:t>https://</a:t>
+            </a:r>
+            <a:r>
+              <a:rPr lang="en-GB" sz="3200" dirty="0" smtClean="0">
+                <a:solidFill>
+                  <a:srgbClr val="002060"/>
+                </a:solidFill>
+                <a:cs typeface="Arial" panose="020B0604020202020204" pitchFamily="34" charset="0"/>
+              </a:rPr>
+              <a:t>github.com/oasys-kit/shadow3</a:t>
+            </a:r>
+            <a:r>
+              <a:rPr lang="en-US" sz="3200" dirty="0" smtClean="0">
+                <a:solidFill>
+                  <a:srgbClr val="002060"/>
+                </a:solidFill>
+                <a:cs typeface="Arial" panose="020B0604020202020204" pitchFamily="34" charset="0"/>
+              </a:rPr>
+              <a:t>) and </a:t>
+            </a:r>
+            <a:r>
+              <a:rPr lang="en-US" sz="3200" dirty="0" err="1" smtClean="0">
+                <a:solidFill>
+                  <a:srgbClr val="002060"/>
+                </a:solidFill>
+                <a:cs typeface="Arial" panose="020B0604020202020204" pitchFamily="34" charset="0"/>
+              </a:rPr>
+              <a:t>ShadowOui</a:t>
+            </a:r>
+            <a:r>
+              <a:rPr lang="en-US" sz="3200" dirty="0" smtClean="0">
+                <a:solidFill>
+                  <a:srgbClr val="002060"/>
+                </a:solidFill>
+                <a:cs typeface="Arial" panose="020B0604020202020204" pitchFamily="34" charset="0"/>
+              </a:rPr>
+              <a:t> (</a:t>
+            </a:r>
+            <a:r>
+              <a:rPr lang="en-GB" sz="3200" dirty="0">
+                <a:solidFill>
+                  <a:srgbClr val="002060"/>
+                </a:solidFill>
+                <a:cs typeface="Arial" panose="020B0604020202020204" pitchFamily="34" charset="0"/>
+              </a:rPr>
+              <a:t>https://</a:t>
+            </a:r>
+            <a:r>
+              <a:rPr lang="en-GB" sz="3200" dirty="0" smtClean="0">
+                <a:solidFill>
+                  <a:srgbClr val="002060"/>
+                </a:solidFill>
+                <a:cs typeface="Arial" panose="020B0604020202020204" pitchFamily="34" charset="0"/>
+              </a:rPr>
+              <a:t>github.com/oasys-kit/ShadowOui</a:t>
+            </a:r>
+            <a:r>
+              <a:rPr lang="en-US" sz="3200" dirty="0" smtClean="0">
+                <a:solidFill>
+                  <a:srgbClr val="002060"/>
+                </a:solidFill>
+                <a:cs typeface="Arial" panose="020B0604020202020204" pitchFamily="34" charset="0"/>
+              </a:rPr>
+              <a:t>)</a:t>
+            </a:r>
+          </a:p>
+          <a:p>
+            <a:pPr marL="457200" indent="-457200">
               <a:spcBef>
                 <a:spcPct val="50000"/>
               </a:spcBef>
+              <a:buFont typeface="Arial" panose="020B0604020202020204" pitchFamily="34" charset="0"/>
+              <a:buChar char="•"/>
             </a:pPr>
             <a:r>
               <a:rPr lang="en-US" sz="3200" dirty="0" smtClean="0">
                 <a:solidFill>
-                  <a:srgbClr val="132577"/>
+                  <a:srgbClr val="002060"/>
                 </a:solidFill>
                 <a:cs typeface="Arial" panose="020B0604020202020204" pitchFamily="34" charset="0"/>
               </a:rPr>
@@ -5413,7 +5902,7 @@
             <a:r>
               <a:rPr lang="en-US" sz="3200" dirty="0" err="1" smtClean="0">
                 <a:solidFill>
-                  <a:srgbClr val="132577"/>
+                  <a:srgbClr val="002060"/>
                 </a:solidFill>
                 <a:cs typeface="Arial" panose="020B0604020202020204" pitchFamily="34" charset="0"/>
               </a:rPr>
@@ -5422,7 +5911,7 @@
             <a:r>
               <a:rPr lang="en-US" sz="3200" dirty="0" smtClean="0">
                 <a:solidFill>
-                  <a:srgbClr val="132577"/>
+                  <a:srgbClr val="002060"/>
                 </a:solidFill>
                 <a:cs typeface="Arial" panose="020B0604020202020204" pitchFamily="34" charset="0"/>
               </a:rPr>
@@ -5431,7 +5920,7 @@
             <a:r>
               <a:rPr lang="en-US" sz="3200" dirty="0" err="1" smtClean="0">
                 <a:solidFill>
-                  <a:srgbClr val="132577"/>
+                  <a:srgbClr val="002060"/>
                 </a:solidFill>
                 <a:cs typeface="Arial" panose="020B0604020202020204" pitchFamily="34" charset="0"/>
               </a:rPr>
@@ -5440,7 +5929,7 @@
             <a:r>
               <a:rPr lang="en-US" sz="3200" dirty="0" smtClean="0">
                 <a:solidFill>
-                  <a:srgbClr val="132577"/>
+                  <a:srgbClr val="002060"/>
                 </a:solidFill>
                 <a:cs typeface="Arial" panose="020B0604020202020204" pitchFamily="34" charset="0"/>
               </a:rPr>
@@ -5449,7 +5938,7 @@
             <a:r>
               <a:rPr lang="en-US" sz="3200" dirty="0" err="1" smtClean="0">
                 <a:solidFill>
-                  <a:srgbClr val="132577"/>
+                  <a:srgbClr val="002060"/>
                 </a:solidFill>
                 <a:cs typeface="Arial" panose="020B0604020202020204" pitchFamily="34" charset="0"/>
               </a:rPr>
@@ -5458,7 +5947,7 @@
             <a:r>
               <a:rPr lang="en-US" sz="3200" dirty="0" smtClean="0">
                 <a:solidFill>
-                  <a:srgbClr val="132577"/>
+                  <a:srgbClr val="002060"/>
                 </a:solidFill>
                 <a:cs typeface="Arial" panose="020B0604020202020204" pitchFamily="34" charset="0"/>
               </a:rPr>
@@ -5466,15 +5955,17 @@
             </a:r>
           </a:p>
           <a:p>
-            <a:pPr>
+            <a:pPr marL="457200" indent="-457200">
               <a:spcBef>
                 <a:spcPct val="50000"/>
               </a:spcBef>
+              <a:buFont typeface="Arial" panose="020B0604020202020204" pitchFamily="34" charset="0"/>
+              <a:buChar char="•"/>
             </a:pPr>
             <a:r>
               <a:rPr lang="en-US" sz="3200" dirty="0" smtClean="0">
                 <a:solidFill>
-                  <a:srgbClr val="132577"/>
+                  <a:srgbClr val="002060"/>
                 </a:solidFill>
                 <a:cs typeface="Arial" panose="020B0604020202020204" pitchFamily="34" charset="0"/>
               </a:rPr>
@@ -5483,7 +5974,7 @@
             <a:r>
               <a:rPr lang="en-US" sz="3200" dirty="0" err="1" smtClean="0">
                 <a:solidFill>
-                  <a:srgbClr val="132577"/>
+                  <a:srgbClr val="002060"/>
                 </a:solidFill>
                 <a:cs typeface="Arial" panose="020B0604020202020204" pitchFamily="34" charset="0"/>
               </a:rPr>
@@ -5492,72 +5983,91 @@
             <a:r>
               <a:rPr lang="en-US" sz="3200" dirty="0">
                 <a:solidFill>
-                  <a:srgbClr val="132577"/>
-                </a:solidFill>
-                <a:cs typeface="Arial" panose="020B0604020202020204" pitchFamily="34" charset="0"/>
-              </a:rPr>
-              <a:t> (http://x-</a:t>
-            </a:r>
-            <a:r>
-              <a:rPr lang="en-US" sz="3200" dirty="0" err="1">
-                <a:solidFill>
-                  <a:srgbClr val="132577"/>
-                </a:solidFill>
-                <a:cs typeface="Arial" panose="020B0604020202020204" pitchFamily="34" charset="0"/>
-              </a:rPr>
-              <a:t>server.gmca.aps.anl.gov</a:t>
+                  <a:srgbClr val="002060"/>
+                </a:solidFill>
+                <a:cs typeface="Arial" panose="020B0604020202020204" pitchFamily="34" charset="0"/>
+              </a:rPr>
+              <a:t> </a:t>
+            </a:r>
+            <a:r>
+              <a:rPr lang="en-US" sz="3200" dirty="0" smtClean="0">
+                <a:solidFill>
+                  <a:srgbClr val="002060"/>
+                </a:solidFill>
+                <a:cs typeface="Arial" panose="020B0604020202020204" pitchFamily="34" charset="0"/>
+              </a:rPr>
+              <a:t/>
+            </a:r>
+            <a:br>
+              <a:rPr lang="en-US" sz="3200" dirty="0" smtClean="0">
+                <a:solidFill>
+                  <a:srgbClr val="002060"/>
+                </a:solidFill>
+                <a:cs typeface="Arial" panose="020B0604020202020204" pitchFamily="34" charset="0"/>
+              </a:rPr>
+            </a:br>
+            <a:r>
+              <a:rPr lang="en-US" sz="3200" dirty="0" smtClean="0">
+                <a:solidFill>
+                  <a:srgbClr val="002060"/>
+                </a:solidFill>
+                <a:cs typeface="Arial" panose="020B0604020202020204" pitchFamily="34" charset="0"/>
+              </a:rPr>
+              <a:t>(</a:t>
             </a:r>
             <a:r>
               <a:rPr lang="en-US" sz="3200" dirty="0">
                 <a:solidFill>
-                  <a:srgbClr val="132577"/>
-                </a:solidFill>
-                <a:cs typeface="Arial" panose="020B0604020202020204" pitchFamily="34" charset="0"/>
-              </a:rPr>
-              <a:t>/)</a:t>
-            </a:r>
-            <a:endParaRPr lang="en-US" sz="3200" dirty="0" smtClean="0">
-              <a:solidFill>
-                <a:srgbClr val="132577"/>
-              </a:solidFill>
-              <a:cs typeface="Arial" panose="020B0604020202020204" pitchFamily="34" charset="0"/>
-            </a:endParaRPr>
+                  <a:srgbClr val="002060"/>
+                </a:solidFill>
+                <a:cs typeface="Arial" panose="020B0604020202020204" pitchFamily="34" charset="0"/>
+                <a:hlinkClick r:id="rId2"/>
+              </a:rPr>
+              <a:t>http://x-server.gmca.aps.anl.gov</a:t>
+            </a:r>
+            <a:r>
+              <a:rPr lang="en-US" sz="3200" dirty="0" smtClean="0">
+                <a:solidFill>
+                  <a:srgbClr val="002060"/>
+                </a:solidFill>
+                <a:cs typeface="Arial" panose="020B0604020202020204" pitchFamily="34" charset="0"/>
+                <a:hlinkClick r:id="rId2"/>
+              </a:rPr>
+              <a:t>/</a:t>
+            </a:r>
+            <a:r>
+              <a:rPr lang="en-US" sz="3200" dirty="0" smtClean="0">
+                <a:solidFill>
+                  <a:srgbClr val="002060"/>
+                </a:solidFill>
+                <a:cs typeface="Arial" panose="020B0604020202020204" pitchFamily="34" charset="0"/>
+              </a:rPr>
+              <a:t>)</a:t>
+            </a:r>
+          </a:p>
+          <a:p>
+            <a:pPr marL="457200" indent="-457200">
+              <a:spcBef>
+                <a:spcPct val="50000"/>
+              </a:spcBef>
+              <a:buFont typeface="Arial" panose="020B0604020202020204" pitchFamily="34" charset="0"/>
+              <a:buChar char="•"/>
+            </a:pPr>
+            <a:r>
+              <a:rPr lang="en-US" sz="3200" dirty="0" smtClean="0">
+                <a:solidFill>
+                  <a:srgbClr val="002060"/>
+                </a:solidFill>
+                <a:cs typeface="Arial" panose="020B0604020202020204" pitchFamily="34" charset="0"/>
+              </a:rPr>
+              <a:t>Remote data server: DABAM [4]</a:t>
+            </a:r>
           </a:p>
         </p:txBody>
       </p:sp>
       <p:pic>
         <p:nvPicPr>
           <p:cNvPr id="3" name="Picture 2" descr="chain0.png"/>
-          <p:cNvPicPr>
-            <a:picLocks noChangeAspect="1"/>
-          </p:cNvPicPr>
-          <p:nvPr/>
-        </p:nvPicPr>
-        <p:blipFill>
-          <a:blip r:embed="rId2">
-            <a:extLst>
-              <a:ext uri="{28A0092B-C50C-407E-A947-70E740481C1C}">
-                <a14:useLocalDpi xmlns:a14="http://schemas.microsoft.com/office/drawing/2010/main" val="0"/>
-              </a:ext>
-            </a:extLst>
-          </a:blip>
-          <a:stretch>
-            <a:fillRect/>
-          </a:stretch>
-        </p:blipFill>
-        <p:spPr>
-          <a:xfrm>
-            <a:off x="1024038" y="13553009"/>
-            <a:ext cx="12941300" cy="2400300"/>
-          </a:xfrm>
-          <a:prstGeom prst="rect">
-            <a:avLst/>
-          </a:prstGeom>
-        </p:spPr>
-      </p:pic>
-      <p:pic>
-        <p:nvPicPr>
-          <p:cNvPr id="4" name="Picture 3" descr="canvas.png"/>
           <p:cNvPicPr>
             <a:picLocks noChangeAspect="1"/>
           </p:cNvPicPr>
@@ -5577,213 +6087,17 @@
         </p:blipFill>
         <p:spPr>
           <a:xfrm>
-            <a:off x="1024037" y="20969833"/>
-            <a:ext cx="13067083" cy="7776864"/>
+            <a:off x="931682" y="13497559"/>
+            <a:ext cx="12941300" cy="2400300"/>
           </a:xfrm>
           <a:prstGeom prst="rect">
             <a:avLst/>
           </a:prstGeom>
         </p:spPr>
       </p:pic>
-      <p:sp>
-        <p:nvSpPr>
-          <p:cNvPr id="20" name="Text Box 4"/>
-          <p:cNvSpPr txBox="1">
-            <a:spLocks noChangeArrowheads="1"/>
-          </p:cNvSpPr>
-          <p:nvPr/>
-        </p:nvSpPr>
-        <p:spPr bwMode="auto">
-          <a:xfrm>
-            <a:off x="808014" y="16577345"/>
-            <a:ext cx="13609512" cy="4070117"/>
-          </a:xfrm>
-          <a:prstGeom prst="rect">
-            <a:avLst/>
-          </a:prstGeom>
-          <a:noFill/>
-          <a:ln>
-            <a:noFill/>
-          </a:ln>
-          <a:effectLst/>
-          <a:extLst>
-            <a:ext uri="{909E8E84-426E-40dd-AFC4-6F175D3DCCD1}">
-              <a14:hiddenFill xmlns:a14="http://schemas.microsoft.com/office/drawing/2010/main">
-                <a:solidFill>
-                  <a:schemeClr val="accent1"/>
-                </a:solidFill>
-              </a14:hiddenFill>
-            </a:ext>
-            <a:ext uri="{91240B29-F687-4f45-9708-019B960494DF}">
-              <a14:hiddenLine xmlns:a14="http://schemas.microsoft.com/office/drawing/2010/main" w="9525">
-                <a:solidFill>
-                  <a:schemeClr val="tx1"/>
-                </a:solidFill>
-                <a:miter lim="800000"/>
-                <a:headEnd/>
-                <a:tailEnd/>
-              </a14:hiddenLine>
-            </a:ext>
-            <a:ext uri="{AF507438-7753-43e0-B8FC-AC1667EBCBE1}">
-              <a14:hiddenEffects xmlns:a14="http://schemas.microsoft.com/office/drawing/2010/main">
-                <a:effectLst>
-                  <a:outerShdw dist="35921" dir="2700000" algn="ctr" rotWithShape="0">
-                    <a:schemeClr val="bg2"/>
-                  </a:outerShdw>
-                </a:effectLst>
-              </a14:hiddenEffects>
-            </a:ext>
-          </a:extLst>
-        </p:spPr>
-        <p:txBody>
-          <a:bodyPr wrap="square" lIns="129314" tIns="64657" rIns="129314" bIns="64657">
-            <a:spAutoFit/>
-          </a:bodyPr>
-          <a:lstStyle>
-            <a:lvl1pPr defTabSz="1474788">
-              <a:defRPr>
-                <a:solidFill>
-                  <a:schemeClr val="tx1"/>
-                </a:solidFill>
-                <a:latin typeface="Arial" panose="020B0604020202020204" pitchFamily="34" charset="0"/>
-              </a:defRPr>
-            </a:lvl1pPr>
-            <a:lvl2pPr marL="646113" defTabSz="1474788">
-              <a:defRPr>
-                <a:solidFill>
-                  <a:schemeClr val="tx1"/>
-                </a:solidFill>
-                <a:latin typeface="Arial" panose="020B0604020202020204" pitchFamily="34" charset="0"/>
-              </a:defRPr>
-            </a:lvl2pPr>
-            <a:lvl3pPr marL="1293813" defTabSz="1474788">
-              <a:defRPr>
-                <a:solidFill>
-                  <a:schemeClr val="tx1"/>
-                </a:solidFill>
-                <a:latin typeface="Arial" panose="020B0604020202020204" pitchFamily="34" charset="0"/>
-              </a:defRPr>
-            </a:lvl3pPr>
-            <a:lvl4pPr marL="1939925" defTabSz="1474788">
-              <a:defRPr>
-                <a:solidFill>
-                  <a:schemeClr val="tx1"/>
-                </a:solidFill>
-                <a:latin typeface="Arial" panose="020B0604020202020204" pitchFamily="34" charset="0"/>
-              </a:defRPr>
-            </a:lvl4pPr>
-            <a:lvl5pPr marL="2586038" defTabSz="1474788">
-              <a:defRPr>
-                <a:solidFill>
-                  <a:schemeClr val="tx1"/>
-                </a:solidFill>
-                <a:latin typeface="Arial" panose="020B0604020202020204" pitchFamily="34" charset="0"/>
-              </a:defRPr>
-            </a:lvl5pPr>
-            <a:lvl6pPr marL="3043238" defTabSz="1474788" fontAlgn="base">
-              <a:spcBef>
-                <a:spcPct val="0"/>
-              </a:spcBef>
-              <a:spcAft>
-                <a:spcPct val="0"/>
-              </a:spcAft>
-              <a:defRPr>
-                <a:solidFill>
-                  <a:schemeClr val="tx1"/>
-                </a:solidFill>
-                <a:latin typeface="Arial" panose="020B0604020202020204" pitchFamily="34" charset="0"/>
-              </a:defRPr>
-            </a:lvl6pPr>
-            <a:lvl7pPr marL="3500438" defTabSz="1474788" fontAlgn="base">
-              <a:spcBef>
-                <a:spcPct val="0"/>
-              </a:spcBef>
-              <a:spcAft>
-                <a:spcPct val="0"/>
-              </a:spcAft>
-              <a:defRPr>
-                <a:solidFill>
-                  <a:schemeClr val="tx1"/>
-                </a:solidFill>
-                <a:latin typeface="Arial" panose="020B0604020202020204" pitchFamily="34" charset="0"/>
-              </a:defRPr>
-            </a:lvl7pPr>
-            <a:lvl8pPr marL="3957638" defTabSz="1474788" fontAlgn="base">
-              <a:spcBef>
-                <a:spcPct val="0"/>
-              </a:spcBef>
-              <a:spcAft>
-                <a:spcPct val="0"/>
-              </a:spcAft>
-              <a:defRPr>
-                <a:solidFill>
-                  <a:schemeClr val="tx1"/>
-                </a:solidFill>
-                <a:latin typeface="Arial" panose="020B0604020202020204" pitchFamily="34" charset="0"/>
-              </a:defRPr>
-            </a:lvl8pPr>
-            <a:lvl9pPr marL="4414838" defTabSz="1474788" fontAlgn="base">
-              <a:spcBef>
-                <a:spcPct val="0"/>
-              </a:spcBef>
-              <a:spcAft>
-                <a:spcPct val="0"/>
-              </a:spcAft>
-              <a:defRPr>
-                <a:solidFill>
-                  <a:schemeClr val="tx1"/>
-                </a:solidFill>
-                <a:latin typeface="Arial" panose="020B0604020202020204" pitchFamily="34" charset="0"/>
-              </a:defRPr>
-            </a:lvl9pPr>
-          </a:lstStyle>
-          <a:p>
-            <a:pPr>
-              <a:spcBef>
-                <a:spcPct val="50000"/>
-              </a:spcBef>
-            </a:pPr>
-            <a:r>
-              <a:rPr lang="en-GB" sz="4000" b="1" dirty="0" smtClean="0">
-                <a:solidFill>
-                  <a:srgbClr val="132577"/>
-                </a:solidFill>
-                <a:cs typeface="Arial" panose="020B0604020202020204" pitchFamily="34" charset="0"/>
-              </a:rPr>
-              <a:t>OASYS elements: canvas, widgets, add-ons</a:t>
-            </a:r>
-          </a:p>
-          <a:p>
-            <a:r>
-              <a:rPr lang="en-GB" sz="3600" dirty="0" smtClean="0"/>
-              <a:t>OASYS environment </a:t>
-            </a:r>
-            <a:r>
-              <a:rPr lang="en-GB" sz="3600" dirty="0"/>
-              <a:t>for synchrotron radiation virtual </a:t>
-            </a:r>
-            <a:r>
-              <a:rPr lang="en-GB" sz="3600" dirty="0" smtClean="0"/>
-              <a:t>experiments </a:t>
-            </a:r>
-            <a:r>
-              <a:rPr lang="en-GB" sz="3600" dirty="0"/>
-              <a:t>is </a:t>
-            </a:r>
-            <a:r>
-              <a:rPr lang="en-GB" sz="3600" dirty="0" smtClean="0"/>
-              <a:t>presented </a:t>
-            </a:r>
-            <a:r>
-              <a:rPr lang="en-GB" sz="3600" dirty="0"/>
-              <a:t>as a graphical workspace (canvas) that can be populate with applications (widgets) that communicate among them and are picked up from menus. The applications (widgets) come from different simulation packages interfaced into OASYS and called add-ons. </a:t>
-            </a:r>
-          </a:p>
-        </p:txBody>
-      </p:sp>
       <p:pic>
         <p:nvPicPr>
-          <p:cNvPr id="14" name="Picture 13" descr="xoppy.png"/>
+          <p:cNvPr id="4" name="Picture 3" descr="canvas.png"/>
           <p:cNvPicPr>
             <a:picLocks noChangeAspect="1"/>
           </p:cNvPicPr>
@@ -5803,8 +6117,264 @@
         </p:blipFill>
         <p:spPr>
           <a:xfrm>
-            <a:off x="18017926" y="16937385"/>
-            <a:ext cx="9505056" cy="7128792"/>
+            <a:off x="880022" y="20897825"/>
+            <a:ext cx="13067083" cy="7776864"/>
+          </a:xfrm>
+          <a:prstGeom prst="rect">
+            <a:avLst/>
+          </a:prstGeom>
+          <a:ln>
+            <a:solidFill>
+              <a:schemeClr val="accent1"/>
+            </a:solidFill>
+          </a:ln>
+        </p:spPr>
+      </p:pic>
+      <p:sp>
+        <p:nvSpPr>
+          <p:cNvPr id="20" name="Text Box 4"/>
+          <p:cNvSpPr txBox="1">
+            <a:spLocks noChangeArrowheads="1"/>
+          </p:cNvSpPr>
+          <p:nvPr/>
+        </p:nvSpPr>
+        <p:spPr bwMode="auto">
+          <a:xfrm>
+            <a:off x="591990" y="16755700"/>
+            <a:ext cx="13609512" cy="4070117"/>
+          </a:xfrm>
+          <a:prstGeom prst="rect">
+            <a:avLst/>
+          </a:prstGeom>
+          <a:noFill/>
+          <a:ln>
+            <a:noFill/>
+          </a:ln>
+          <a:effectLst/>
+          <a:extLst>
+            <a:ext uri="{909E8E84-426E-40dd-AFC4-6F175D3DCCD1}">
+              <a14:hiddenFill xmlns="" xmlns:a14="http://schemas.microsoft.com/office/drawing/2010/main">
+                <a:solidFill>
+                  <a:schemeClr val="accent1"/>
+                </a:solidFill>
+              </a14:hiddenFill>
+            </a:ext>
+            <a:ext uri="{91240B29-F687-4f45-9708-019B960494DF}">
+              <a14:hiddenLine xmlns="" xmlns:a14="http://schemas.microsoft.com/office/drawing/2010/main" w="9525">
+                <a:solidFill>
+                  <a:schemeClr val="tx1"/>
+                </a:solidFill>
+                <a:miter lim="800000"/>
+                <a:headEnd/>
+                <a:tailEnd/>
+              </a14:hiddenLine>
+            </a:ext>
+            <a:ext uri="{AF507438-7753-43e0-B8FC-AC1667EBCBE1}">
+              <a14:hiddenEffects xmlns="" xmlns:a14="http://schemas.microsoft.com/office/drawing/2010/main">
+                <a:effectLst>
+                  <a:outerShdw dist="35921" dir="2700000" algn="ctr" rotWithShape="0">
+                    <a:schemeClr val="bg2"/>
+                  </a:outerShdw>
+                </a:effectLst>
+              </a14:hiddenEffects>
+            </a:ext>
+          </a:extLst>
+        </p:spPr>
+        <p:txBody>
+          <a:bodyPr wrap="square" lIns="129314" tIns="64657" rIns="129314" bIns="64657">
+            <a:spAutoFit/>
+          </a:bodyPr>
+          <a:lstStyle>
+            <a:lvl1pPr defTabSz="1474788">
+              <a:defRPr>
+                <a:solidFill>
+                  <a:schemeClr val="tx1"/>
+                </a:solidFill>
+                <a:latin typeface="Arial" panose="020B0604020202020204" pitchFamily="34" charset="0"/>
+              </a:defRPr>
+            </a:lvl1pPr>
+            <a:lvl2pPr marL="646113" defTabSz="1474788">
+              <a:defRPr>
+                <a:solidFill>
+                  <a:schemeClr val="tx1"/>
+                </a:solidFill>
+                <a:latin typeface="Arial" panose="020B0604020202020204" pitchFamily="34" charset="0"/>
+              </a:defRPr>
+            </a:lvl2pPr>
+            <a:lvl3pPr marL="1293813" defTabSz="1474788">
+              <a:defRPr>
+                <a:solidFill>
+                  <a:schemeClr val="tx1"/>
+                </a:solidFill>
+                <a:latin typeface="Arial" panose="020B0604020202020204" pitchFamily="34" charset="0"/>
+              </a:defRPr>
+            </a:lvl3pPr>
+            <a:lvl4pPr marL="1939925" defTabSz="1474788">
+              <a:defRPr>
+                <a:solidFill>
+                  <a:schemeClr val="tx1"/>
+                </a:solidFill>
+                <a:latin typeface="Arial" panose="020B0604020202020204" pitchFamily="34" charset="0"/>
+              </a:defRPr>
+            </a:lvl4pPr>
+            <a:lvl5pPr marL="2586038" defTabSz="1474788">
+              <a:defRPr>
+                <a:solidFill>
+                  <a:schemeClr val="tx1"/>
+                </a:solidFill>
+                <a:latin typeface="Arial" panose="020B0604020202020204" pitchFamily="34" charset="0"/>
+              </a:defRPr>
+            </a:lvl5pPr>
+            <a:lvl6pPr marL="3043238" defTabSz="1474788" fontAlgn="base">
+              <a:spcBef>
+                <a:spcPct val="0"/>
+              </a:spcBef>
+              <a:spcAft>
+                <a:spcPct val="0"/>
+              </a:spcAft>
+              <a:defRPr>
+                <a:solidFill>
+                  <a:schemeClr val="tx1"/>
+                </a:solidFill>
+                <a:latin typeface="Arial" panose="020B0604020202020204" pitchFamily="34" charset="0"/>
+              </a:defRPr>
+            </a:lvl6pPr>
+            <a:lvl7pPr marL="3500438" defTabSz="1474788" fontAlgn="base">
+              <a:spcBef>
+                <a:spcPct val="0"/>
+              </a:spcBef>
+              <a:spcAft>
+                <a:spcPct val="0"/>
+              </a:spcAft>
+              <a:defRPr>
+                <a:solidFill>
+                  <a:schemeClr val="tx1"/>
+                </a:solidFill>
+                <a:latin typeface="Arial" panose="020B0604020202020204" pitchFamily="34" charset="0"/>
+              </a:defRPr>
+            </a:lvl7pPr>
+            <a:lvl8pPr marL="3957638" defTabSz="1474788" fontAlgn="base">
+              <a:spcBef>
+                <a:spcPct val="0"/>
+              </a:spcBef>
+              <a:spcAft>
+                <a:spcPct val="0"/>
+              </a:spcAft>
+              <a:defRPr>
+                <a:solidFill>
+                  <a:schemeClr val="tx1"/>
+                </a:solidFill>
+                <a:latin typeface="Arial" panose="020B0604020202020204" pitchFamily="34" charset="0"/>
+              </a:defRPr>
+            </a:lvl8pPr>
+            <a:lvl9pPr marL="4414838" defTabSz="1474788" fontAlgn="base">
+              <a:spcBef>
+                <a:spcPct val="0"/>
+              </a:spcBef>
+              <a:spcAft>
+                <a:spcPct val="0"/>
+              </a:spcAft>
+              <a:defRPr>
+                <a:solidFill>
+                  <a:schemeClr val="tx1"/>
+                </a:solidFill>
+                <a:latin typeface="Arial" panose="020B0604020202020204" pitchFamily="34" charset="0"/>
+              </a:defRPr>
+            </a:lvl9pPr>
+          </a:lstStyle>
+          <a:p>
+            <a:pPr algn="ctr">
+              <a:spcBef>
+                <a:spcPct val="50000"/>
+              </a:spcBef>
+            </a:pPr>
+            <a:r>
+              <a:rPr lang="en-GB" sz="4000" b="1" dirty="0" smtClean="0">
+                <a:solidFill>
+                  <a:srgbClr val="002060"/>
+                </a:solidFill>
+                <a:cs typeface="Arial" panose="020B0604020202020204" pitchFamily="34" charset="0"/>
+              </a:rPr>
+              <a:t>OASYS elements: canvas, widgets, add-ons</a:t>
+            </a:r>
+          </a:p>
+          <a:p>
+            <a:pPr algn="just"/>
+            <a:r>
+              <a:rPr lang="en-GB" sz="3600" dirty="0" smtClean="0">
+                <a:solidFill>
+                  <a:srgbClr val="002060"/>
+                </a:solidFill>
+              </a:rPr>
+              <a:t>OASYS environment </a:t>
+            </a:r>
+            <a:r>
+              <a:rPr lang="en-GB" sz="3600" dirty="0">
+                <a:solidFill>
+                  <a:srgbClr val="002060"/>
+                </a:solidFill>
+              </a:rPr>
+              <a:t>for synchrotron radiation virtual </a:t>
+            </a:r>
+            <a:r>
+              <a:rPr lang="en-GB" sz="3600" dirty="0" smtClean="0">
+                <a:solidFill>
+                  <a:srgbClr val="002060"/>
+                </a:solidFill>
+              </a:rPr>
+              <a:t>experiments </a:t>
+            </a:r>
+            <a:r>
+              <a:rPr lang="en-GB" sz="3600" dirty="0">
+                <a:solidFill>
+                  <a:srgbClr val="002060"/>
+                </a:solidFill>
+              </a:rPr>
+              <a:t>is </a:t>
+            </a:r>
+            <a:r>
+              <a:rPr lang="en-GB" sz="3600" dirty="0" smtClean="0">
+                <a:solidFill>
+                  <a:srgbClr val="002060"/>
+                </a:solidFill>
+              </a:rPr>
+              <a:t>presented </a:t>
+            </a:r>
+            <a:r>
+              <a:rPr lang="en-GB" sz="3600" dirty="0">
+                <a:solidFill>
+                  <a:srgbClr val="002060"/>
+                </a:solidFill>
+              </a:rPr>
+              <a:t>as a graphical workspace (canvas) that can be populate with applications (widgets) that communicate among them and are picked up from menus. The applications (widgets) come from different simulation packages interfaced into OASYS and called add-ons. </a:t>
+            </a:r>
+          </a:p>
+        </p:txBody>
+      </p:sp>
+      <p:pic>
+        <p:nvPicPr>
+          <p:cNvPr id="14" name="Picture 13" descr="xoppy.png"/>
+          <p:cNvPicPr>
+            <a:picLocks noChangeAspect="1"/>
+          </p:cNvPicPr>
+          <p:nvPr/>
+        </p:nvPicPr>
+        <p:blipFill>
+          <a:blip r:embed="rId5">
+            <a:extLst>
+              <a:ext uri="{28A0092B-C50C-407E-A947-70E740481C1C}">
+                <a14:useLocalDpi xmlns:a14="http://schemas.microsoft.com/office/drawing/2010/main" val="0"/>
+              </a:ext>
+            </a:extLst>
+          </a:blip>
+          <a:stretch>
+            <a:fillRect/>
+          </a:stretch>
+        </p:blipFill>
+        <p:spPr>
+          <a:xfrm>
+            <a:off x="17729895" y="16721361"/>
+            <a:ext cx="9573582" cy="7180186"/>
           </a:xfrm>
           <a:prstGeom prst="rect">
             <a:avLst/>
@@ -5821,7 +6391,7 @@
         </p:nvSpPr>
         <p:spPr bwMode="auto">
           <a:xfrm>
-            <a:off x="15497646" y="34723361"/>
+            <a:off x="15497646" y="34298362"/>
             <a:ext cx="13465496" cy="1577127"/>
           </a:xfrm>
           <a:prstGeom prst="rect">
@@ -5834,14 +6404,14 @@
           <a:effectLst/>
           <a:extLst>
             <a:ext uri="{909E8E84-426E-40dd-AFC4-6F175D3DCCD1}">
-              <a14:hiddenFill xmlns:a14="http://schemas.microsoft.com/office/drawing/2010/main">
+              <a14:hiddenFill xmlns="" xmlns:a14="http://schemas.microsoft.com/office/drawing/2010/main">
                 <a:solidFill>
                   <a:schemeClr val="accent1"/>
                 </a:solidFill>
               </a14:hiddenFill>
             </a:ext>
             <a:ext uri="{91240B29-F687-4f45-9708-019B960494DF}">
-              <a14:hiddenLine xmlns:a14="http://schemas.microsoft.com/office/drawing/2010/main" w="9525">
+              <a14:hiddenLine xmlns="" xmlns:a14="http://schemas.microsoft.com/office/drawing/2010/main" w="9525">
                 <a:solidFill>
                   <a:schemeClr val="tx1"/>
                 </a:solidFill>
@@ -5851,7 +6421,7 @@
               </a14:hiddenLine>
             </a:ext>
             <a:ext uri="{AF507438-7753-43e0-B8FC-AC1667EBCBE1}">
-              <a14:hiddenEffects xmlns:a14="http://schemas.microsoft.com/office/drawing/2010/main">
+              <a14:hiddenEffects xmlns="" xmlns:a14="http://schemas.microsoft.com/office/drawing/2010/main">
                 <a:effectLst>
                   <a:outerShdw dist="35921" dir="2700000" algn="ctr" rotWithShape="0">
                     <a:schemeClr val="bg2"/>
@@ -5964,31 +6534,31 @@
             </a:lvl9pPr>
           </a:lstStyle>
           <a:p>
+            <a:pPr algn="ctr">
+              <a:spcBef>
+                <a:spcPct val="50000"/>
+              </a:spcBef>
+            </a:pPr>
+            <a:r>
+              <a:rPr lang="en-US" sz="4000" b="1" dirty="0" smtClean="0">
+                <a:solidFill>
+                  <a:srgbClr val="002060"/>
+                </a:solidFill>
+                <a:cs typeface="Arial" panose="020B0604020202020204" pitchFamily="34" charset="0"/>
+              </a:rPr>
+              <a:t>Ray tracing</a:t>
+            </a:r>
+          </a:p>
+          <a:p>
             <a:pPr>
               <a:spcBef>
                 <a:spcPct val="50000"/>
               </a:spcBef>
             </a:pPr>
             <a:r>
-              <a:rPr lang="en-US" sz="4000" b="1" dirty="0" smtClean="0">
-                <a:solidFill>
-                  <a:srgbClr val="132577"/>
-                </a:solidFill>
-                <a:cs typeface="Arial" panose="020B0604020202020204" pitchFamily="34" charset="0"/>
-              </a:rPr>
-              <a:t>Ray-tracing</a:t>
-            </a:r>
-          </a:p>
-          <a:p>
-            <a:pPr>
-              <a:spcBef>
-                <a:spcPct val="50000"/>
-              </a:spcBef>
-            </a:pPr>
-            <a:r>
               <a:rPr lang="en-US" sz="3600" dirty="0" smtClean="0">
                 <a:solidFill>
-                  <a:srgbClr val="132577"/>
+                  <a:srgbClr val="002060"/>
                 </a:solidFill>
                 <a:cs typeface="Arial" panose="020B0604020202020204" pitchFamily="34" charset="0"/>
               </a:rPr>
@@ -5997,7 +6567,7 @@
             <a:r>
               <a:rPr lang="en-GB" sz="3600" dirty="0" err="1" smtClean="0">
                 <a:solidFill>
-                  <a:srgbClr val="132577"/>
+                  <a:srgbClr val="002060"/>
                 </a:solidFill>
                 <a:cs typeface="Arial" panose="020B0604020202020204" pitchFamily="34" charset="0"/>
               </a:rPr>
@@ -6006,39 +6576,33 @@
             <a:r>
               <a:rPr lang="en-GB" sz="3600" dirty="0" smtClean="0">
                 <a:solidFill>
-                  <a:srgbClr val="132577"/>
-                </a:solidFill>
-                <a:cs typeface="Arial" panose="020B0604020202020204" pitchFamily="34" charset="0"/>
-              </a:rPr>
-              <a:t> (frontend to shadow3 + Hybrid + DABAM  etc.)</a:t>
-            </a:r>
-          </a:p>
-        </p:txBody>
-      </p:sp>
-      <p:pic>
-        <p:nvPicPr>
-          <p:cNvPr id="21" name="Picture 20"/>
-          <p:cNvPicPr>
-            <a:picLocks noChangeAspect="1"/>
-          </p:cNvPicPr>
-          <p:nvPr/>
-        </p:nvPicPr>
-        <p:blipFill>
-          <a:blip r:embed="rId5"/>
-          <a:stretch>
-            <a:fillRect/>
-          </a:stretch>
-        </p:blipFill>
-        <p:spPr>
-          <a:xfrm>
-            <a:off x="23994590" y="31050953"/>
-            <a:ext cx="5847815" cy="3205436"/>
-          </a:xfrm>
-          <a:prstGeom prst="rect">
-            <a:avLst/>
-          </a:prstGeom>
-        </p:spPr>
-      </p:pic>
+                  <a:srgbClr val="002060"/>
+                </a:solidFill>
+                <a:cs typeface="Arial" panose="020B0604020202020204" pitchFamily="34" charset="0"/>
+              </a:rPr>
+              <a:t> (frontend to shadow3 + </a:t>
+            </a:r>
+            <a:r>
+              <a:rPr lang="en-GB" sz="3600" dirty="0" smtClean="0">
+                <a:solidFill>
+                  <a:srgbClr val="002060"/>
+                </a:solidFill>
+                <a:cs typeface="Arial" panose="020B0604020202020204" pitchFamily="34" charset="0"/>
+              </a:rPr>
+              <a:t>Hybrid [6] </a:t>
+            </a:r>
+            <a:r>
+              <a:rPr lang="en-GB" sz="3600" dirty="0" smtClean="0">
+                <a:solidFill>
+                  <a:srgbClr val="002060"/>
+                </a:solidFill>
+                <a:cs typeface="Arial" panose="020B0604020202020204" pitchFamily="34" charset="0"/>
+              </a:rPr>
+              <a:t>+ DABAM [4]  etc.)</a:t>
+            </a:r>
+          </a:p>
+        </p:txBody>
+      </p:sp>
       <p:pic>
         <p:nvPicPr>
           <p:cNvPr id="27" name="Immagine 1" descr="PPT_EST logo.png"/>
@@ -6074,14 +6638,14 @@
           </a:ln>
           <a:extLst>
             <a:ext uri="{909E8E84-426E-40dd-AFC4-6F175D3DCCD1}">
-              <a14:hiddenFill xmlns:a14="http://schemas.microsoft.com/office/drawing/2010/main">
+              <a14:hiddenFill xmlns="" xmlns:a14="http://schemas.microsoft.com/office/drawing/2010/main">
                 <a:solidFill>
                   <a:srgbClr val="FFFFFF"/>
                 </a:solidFill>
               </a14:hiddenFill>
             </a:ext>
             <a:ext uri="{91240B29-F687-4f45-9708-019B960494DF}">
-              <a14:hiddenLine xmlns:a14="http://schemas.microsoft.com/office/drawing/2010/main" w="9525">
+              <a14:hiddenLine xmlns="" xmlns:a14="http://schemas.microsoft.com/office/drawing/2010/main" w="9525">
                 <a:solidFill>
                   <a:srgbClr val="000000"/>
                 </a:solidFill>
@@ -6102,7 +6666,7 @@
           <p:nvPr/>
         </p:nvPicPr>
         <p:blipFill>
-          <a:blip r:embed="rId7">
+          <a:blip r:embed="rId7" cstate="print">
             <a:extLst>
               <a:ext uri="{28A0092B-C50C-407E-A947-70E740481C1C}">
                 <a14:useLocalDpi xmlns:a14="http://schemas.microsoft.com/office/drawing/2010/main" val="0"/>
@@ -6128,14 +6692,14 @@
           </a:ln>
           <a:extLst>
             <a:ext uri="{909E8E84-426E-40dd-AFC4-6F175D3DCCD1}">
-              <a14:hiddenFill xmlns:a14="http://schemas.microsoft.com/office/drawing/2010/main">
+              <a14:hiddenFill xmlns="" xmlns:a14="http://schemas.microsoft.com/office/drawing/2010/main">
                 <a:solidFill>
                   <a:srgbClr val="FFFFFF"/>
                 </a:solidFill>
               </a14:hiddenFill>
             </a:ext>
             <a:ext uri="{91240B29-F687-4f45-9708-019B960494DF}">
-              <a14:hiddenLine xmlns:a14="http://schemas.microsoft.com/office/drawing/2010/main" w="9525">
+              <a14:hiddenLine xmlns="" xmlns:a14="http://schemas.microsoft.com/office/drawing/2010/main" w="9525">
                 <a:solidFill>
                   <a:srgbClr val="000000"/>
                 </a:solidFill>
@@ -6169,14 +6733,910 @@
         </p:blipFill>
         <p:spPr>
           <a:xfrm>
-            <a:off x="15641662" y="27954609"/>
-            <a:ext cx="9258754" cy="6624736"/>
+            <a:off x="15624888" y="28155627"/>
+            <a:ext cx="8266976" cy="5915109"/>
           </a:xfrm>
           <a:prstGeom prst="rect">
             <a:avLst/>
           </a:prstGeom>
+          <a:ln>
+            <a:solidFill>
+              <a:schemeClr val="accent1">
+                <a:shade val="50000"/>
+              </a:schemeClr>
+            </a:solidFill>
+          </a:ln>
         </p:spPr>
       </p:pic>
+      <p:pic>
+        <p:nvPicPr>
+          <p:cNvPr id="1026" name="Picture 2" descr="Votre QR Code"/>
+          <p:cNvPicPr>
+            <a:picLocks noChangeAspect="1" noChangeArrowheads="1"/>
+          </p:cNvPicPr>
+          <p:nvPr/>
+        </p:nvPicPr>
+        <p:blipFill>
+          <a:blip r:embed="rId9">
+            <a:extLst>
+              <a:ext uri="{28A0092B-C50C-407E-A947-70E740481C1C}">
+                <a14:useLocalDpi xmlns:a14="http://schemas.microsoft.com/office/drawing/2010/main" val="0"/>
+              </a:ext>
+            </a:extLst>
+          </a:blip>
+          <a:srcRect/>
+          <a:stretch>
+            <a:fillRect/>
+          </a:stretch>
+        </p:blipFill>
+        <p:spPr bwMode="auto">
+          <a:xfrm>
+            <a:off x="19890134" y="36293311"/>
+            <a:ext cx="2304256" cy="2304256"/>
+          </a:xfrm>
+          <a:prstGeom prst="rect">
+            <a:avLst/>
+          </a:prstGeom>
+          <a:noFill/>
+          <a:extLst>
+            <a:ext uri="{909E8E84-426E-40DD-AFC4-6F175D3DCCD1}">
+              <a14:hiddenFill xmlns:a14="http://schemas.microsoft.com/office/drawing/2010/main">
+                <a:solidFill>
+                  <a:srgbClr val="FFFFFF"/>
+                </a:solidFill>
+              </a14:hiddenFill>
+            </a:ext>
+          </a:extLst>
+        </p:spPr>
+      </p:pic>
+      <p:pic>
+        <p:nvPicPr>
+          <p:cNvPr id="1028" name="Picture 4" descr="Votre QR Code"/>
+          <p:cNvPicPr>
+            <a:picLocks noChangeAspect="1" noChangeArrowheads="1"/>
+          </p:cNvPicPr>
+          <p:nvPr/>
+        </p:nvPicPr>
+        <p:blipFill>
+          <a:blip r:embed="rId10">
+            <a:extLst>
+              <a:ext uri="{28A0092B-C50C-407E-A947-70E740481C1C}">
+                <a14:useLocalDpi xmlns:a14="http://schemas.microsoft.com/office/drawing/2010/main" val="0"/>
+              </a:ext>
+            </a:extLst>
+          </a:blip>
+          <a:srcRect/>
+          <a:stretch>
+            <a:fillRect/>
+          </a:stretch>
+        </p:blipFill>
+        <p:spPr bwMode="auto">
+          <a:xfrm>
+            <a:off x="27162942" y="36352304"/>
+            <a:ext cx="2245263" cy="2245263"/>
+          </a:xfrm>
+          <a:prstGeom prst="rect">
+            <a:avLst/>
+          </a:prstGeom>
+          <a:noFill/>
+          <a:extLst>
+            <a:ext uri="{909E8E84-426E-40DD-AFC4-6F175D3DCCD1}">
+              <a14:hiddenFill xmlns:a14="http://schemas.microsoft.com/office/drawing/2010/main">
+                <a:solidFill>
+                  <a:srgbClr val="FFFFFF"/>
+                </a:solidFill>
+              </a14:hiddenFill>
+            </a:ext>
+          </a:extLst>
+        </p:spPr>
+      </p:pic>
+      <p:sp>
+        <p:nvSpPr>
+          <p:cNvPr id="2" name="TextBox 1"/>
+          <p:cNvSpPr txBox="1"/>
+          <p:nvPr/>
+        </p:nvSpPr>
+        <p:spPr>
+          <a:xfrm>
+            <a:off x="23082720" y="41361452"/>
+            <a:ext cx="6732680" cy="1138773"/>
+          </a:xfrm>
+          <a:prstGeom prst="rect">
+            <a:avLst/>
+          </a:prstGeom>
+          <a:noFill/>
+        </p:spPr>
+        <p:txBody>
+          <a:bodyPr wrap="square" rtlCol="0">
+            <a:spAutoFit/>
+          </a:bodyPr>
+          <a:lstStyle/>
+          <a:p>
+            <a:r>
+              <a:rPr lang="en-US" sz="4400" dirty="0" smtClean="0">
+                <a:solidFill>
+                  <a:srgbClr val="002060"/>
+                </a:solidFill>
+              </a:rPr>
+              <a:t>Get poster:</a:t>
+            </a:r>
+          </a:p>
+          <a:p>
+            <a:r>
+              <a:rPr lang="en-US" sz="2400" dirty="0">
+                <a:solidFill>
+                  <a:srgbClr val="002060"/>
+                </a:solidFill>
+              </a:rPr>
+              <a:t>https://</a:t>
+            </a:r>
+            <a:r>
+              <a:rPr lang="en-US" sz="2400" dirty="0" smtClean="0">
+                <a:solidFill>
+                  <a:srgbClr val="002060"/>
+                </a:solidFill>
+              </a:rPr>
+              <a:t>cloud.esrf.fr/index.php/s/35ZRxjX3z4dkRmG</a:t>
+            </a:r>
+          </a:p>
+        </p:txBody>
+      </p:sp>
+      <p:pic>
+        <p:nvPicPr>
+          <p:cNvPr id="1030" name="Picture 6" descr="Votre QR Code"/>
+          <p:cNvPicPr>
+            <a:picLocks noChangeAspect="1" noChangeArrowheads="1"/>
+          </p:cNvPicPr>
+          <p:nvPr/>
+        </p:nvPicPr>
+        <p:blipFill>
+          <a:blip r:embed="rId11">
+            <a:extLst>
+              <a:ext uri="{28A0092B-C50C-407E-A947-70E740481C1C}">
+                <a14:useLocalDpi xmlns:a14="http://schemas.microsoft.com/office/drawing/2010/main" val="0"/>
+              </a:ext>
+            </a:extLst>
+          </a:blip>
+          <a:srcRect/>
+          <a:stretch>
+            <a:fillRect/>
+          </a:stretch>
+        </p:blipFill>
+        <p:spPr bwMode="auto">
+          <a:xfrm>
+            <a:off x="27189749" y="39691196"/>
+            <a:ext cx="2304973" cy="2304973"/>
+          </a:xfrm>
+          <a:prstGeom prst="rect">
+            <a:avLst/>
+          </a:prstGeom>
+          <a:noFill/>
+          <a:extLst>
+            <a:ext uri="{909E8E84-426E-40DD-AFC4-6F175D3DCCD1}">
+              <a14:hiddenFill xmlns:a14="http://schemas.microsoft.com/office/drawing/2010/main">
+                <a:solidFill>
+                  <a:srgbClr val="FFFFFF"/>
+                </a:solidFill>
+              </a14:hiddenFill>
+            </a:ext>
+          </a:extLst>
+        </p:spPr>
+      </p:pic>
+      <p:sp>
+        <p:nvSpPr>
+          <p:cNvPr id="29" name="Rounded Rectangle 28"/>
+          <p:cNvSpPr/>
+          <p:nvPr/>
+        </p:nvSpPr>
+        <p:spPr>
+          <a:xfrm>
+            <a:off x="354416" y="10456879"/>
+            <a:ext cx="14063110" cy="5880742"/>
+          </a:xfrm>
+          <a:prstGeom prst="roundRect">
+            <a:avLst/>
+          </a:prstGeom>
+          <a:noFill/>
+          <a:ln w="127000"/>
+        </p:spPr>
+        <p:style>
+          <a:lnRef idx="2">
+            <a:schemeClr val="accent1">
+              <a:shade val="50000"/>
+            </a:schemeClr>
+          </a:lnRef>
+          <a:fillRef idx="1">
+            <a:schemeClr val="accent1"/>
+          </a:fillRef>
+          <a:effectRef idx="0">
+            <a:schemeClr val="accent1"/>
+          </a:effectRef>
+          <a:fontRef idx="minor">
+            <a:schemeClr val="lt1"/>
+          </a:fontRef>
+        </p:style>
+        <p:txBody>
+          <a:bodyPr rtlCol="0" anchor="ctr"/>
+          <a:lstStyle/>
+          <a:p>
+            <a:pPr algn="ctr"/>
+            <a:endParaRPr lang="en-GB"/>
+          </a:p>
+        </p:txBody>
+      </p:sp>
+      <p:sp>
+        <p:nvSpPr>
+          <p:cNvPr id="30" name="Rounded Rectangle 29"/>
+          <p:cNvSpPr/>
+          <p:nvPr/>
+        </p:nvSpPr>
+        <p:spPr>
+          <a:xfrm>
+            <a:off x="303958" y="16529250"/>
+            <a:ext cx="14063110" cy="13097121"/>
+          </a:xfrm>
+          <a:prstGeom prst="roundRect">
+            <a:avLst/>
+          </a:prstGeom>
+          <a:noFill/>
+          <a:ln w="127000"/>
+        </p:spPr>
+        <p:style>
+          <a:lnRef idx="2">
+            <a:schemeClr val="accent1">
+              <a:shade val="50000"/>
+            </a:schemeClr>
+          </a:lnRef>
+          <a:fillRef idx="1">
+            <a:schemeClr val="accent1"/>
+          </a:fillRef>
+          <a:effectRef idx="0">
+            <a:schemeClr val="accent1"/>
+          </a:effectRef>
+          <a:fontRef idx="minor">
+            <a:schemeClr val="lt1"/>
+          </a:fontRef>
+        </p:style>
+        <p:txBody>
+          <a:bodyPr rtlCol="0" anchor="ctr"/>
+          <a:lstStyle/>
+          <a:p>
+            <a:pPr algn="ctr"/>
+            <a:endParaRPr lang="en-GB"/>
+          </a:p>
+        </p:txBody>
+      </p:sp>
+      <p:sp>
+        <p:nvSpPr>
+          <p:cNvPr id="31" name="Rounded Rectangle 30"/>
+          <p:cNvSpPr/>
+          <p:nvPr/>
+        </p:nvSpPr>
+        <p:spPr>
+          <a:xfrm>
+            <a:off x="303958" y="29994140"/>
+            <a:ext cx="14063110" cy="9049701"/>
+          </a:xfrm>
+          <a:prstGeom prst="roundRect">
+            <a:avLst/>
+          </a:prstGeom>
+          <a:noFill/>
+          <a:ln w="127000"/>
+        </p:spPr>
+        <p:style>
+          <a:lnRef idx="2">
+            <a:schemeClr val="accent1">
+              <a:shade val="50000"/>
+            </a:schemeClr>
+          </a:lnRef>
+          <a:fillRef idx="1">
+            <a:schemeClr val="accent1"/>
+          </a:fillRef>
+          <a:effectRef idx="0">
+            <a:schemeClr val="accent1"/>
+          </a:effectRef>
+          <a:fontRef idx="minor">
+            <a:schemeClr val="lt1"/>
+          </a:fontRef>
+        </p:style>
+        <p:txBody>
+          <a:bodyPr rtlCol="0" anchor="ctr"/>
+          <a:lstStyle/>
+          <a:p>
+            <a:pPr algn="ctr"/>
+            <a:endParaRPr lang="en-GB"/>
+          </a:p>
+        </p:txBody>
+      </p:sp>
+      <p:sp>
+        <p:nvSpPr>
+          <p:cNvPr id="32" name="Rounded Rectangle 31"/>
+          <p:cNvSpPr/>
+          <p:nvPr/>
+        </p:nvSpPr>
+        <p:spPr>
+          <a:xfrm>
+            <a:off x="15332080" y="36296303"/>
+            <a:ext cx="14423150" cy="2890837"/>
+          </a:xfrm>
+          <a:prstGeom prst="roundRect">
+            <a:avLst/>
+          </a:prstGeom>
+          <a:noFill/>
+          <a:ln w="127000"/>
+        </p:spPr>
+        <p:style>
+          <a:lnRef idx="2">
+            <a:schemeClr val="accent1">
+              <a:shade val="50000"/>
+            </a:schemeClr>
+          </a:lnRef>
+          <a:fillRef idx="1">
+            <a:schemeClr val="accent1"/>
+          </a:fillRef>
+          <a:effectRef idx="0">
+            <a:schemeClr val="accent1"/>
+          </a:effectRef>
+          <a:fontRef idx="minor">
+            <a:schemeClr val="lt1"/>
+          </a:fontRef>
+        </p:style>
+        <p:txBody>
+          <a:bodyPr rtlCol="0" anchor="ctr"/>
+          <a:lstStyle/>
+          <a:p>
+            <a:pPr algn="ctr"/>
+            <a:endParaRPr lang="en-GB"/>
+          </a:p>
+        </p:txBody>
+      </p:sp>
+      <p:sp>
+        <p:nvSpPr>
+          <p:cNvPr id="33" name="Rounded Rectangle 32"/>
+          <p:cNvSpPr/>
+          <p:nvPr/>
+        </p:nvSpPr>
+        <p:spPr>
+          <a:xfrm>
+            <a:off x="15332080" y="34291313"/>
+            <a:ext cx="14423150" cy="1687440"/>
+          </a:xfrm>
+          <a:prstGeom prst="roundRect">
+            <a:avLst/>
+          </a:prstGeom>
+          <a:noFill/>
+          <a:ln w="127000"/>
+        </p:spPr>
+        <p:style>
+          <a:lnRef idx="2">
+            <a:schemeClr val="accent1">
+              <a:shade val="50000"/>
+            </a:schemeClr>
+          </a:lnRef>
+          <a:fillRef idx="1">
+            <a:schemeClr val="accent1"/>
+          </a:fillRef>
+          <a:effectRef idx="0">
+            <a:schemeClr val="accent1"/>
+          </a:effectRef>
+          <a:fontRef idx="minor">
+            <a:schemeClr val="lt1"/>
+          </a:fontRef>
+        </p:style>
+        <p:txBody>
+          <a:bodyPr rtlCol="0" anchor="ctr"/>
+          <a:lstStyle/>
+          <a:p>
+            <a:pPr algn="ctr"/>
+            <a:endParaRPr lang="en-GB"/>
+          </a:p>
+        </p:txBody>
+      </p:sp>
+      <p:sp>
+        <p:nvSpPr>
+          <p:cNvPr id="34" name="Rounded Rectangle 33"/>
+          <p:cNvSpPr/>
+          <p:nvPr/>
+        </p:nvSpPr>
+        <p:spPr>
+          <a:xfrm>
+            <a:off x="15353630" y="24371757"/>
+            <a:ext cx="14401600" cy="3468428"/>
+          </a:xfrm>
+          <a:prstGeom prst="roundRect">
+            <a:avLst/>
+          </a:prstGeom>
+          <a:noFill/>
+          <a:ln w="127000"/>
+        </p:spPr>
+        <p:style>
+          <a:lnRef idx="2">
+            <a:schemeClr val="accent1">
+              <a:shade val="50000"/>
+            </a:schemeClr>
+          </a:lnRef>
+          <a:fillRef idx="1">
+            <a:schemeClr val="accent1"/>
+          </a:fillRef>
+          <a:effectRef idx="0">
+            <a:schemeClr val="accent1"/>
+          </a:effectRef>
+          <a:fontRef idx="minor">
+            <a:schemeClr val="lt1"/>
+          </a:fontRef>
+        </p:style>
+        <p:txBody>
+          <a:bodyPr rtlCol="0" anchor="ctr"/>
+          <a:lstStyle/>
+          <a:p>
+            <a:pPr algn="ctr"/>
+            <a:endParaRPr lang="en-GB"/>
+          </a:p>
+        </p:txBody>
+      </p:sp>
+      <p:sp>
+        <p:nvSpPr>
+          <p:cNvPr id="35" name="Rounded Rectangle 34"/>
+          <p:cNvSpPr/>
+          <p:nvPr/>
+        </p:nvSpPr>
+        <p:spPr>
+          <a:xfrm>
+            <a:off x="15353630" y="10465623"/>
+            <a:ext cx="14401600" cy="13612598"/>
+          </a:xfrm>
+          <a:prstGeom prst="roundRect">
+            <a:avLst/>
+          </a:prstGeom>
+          <a:noFill/>
+          <a:ln w="127000"/>
+        </p:spPr>
+        <p:style>
+          <a:lnRef idx="2">
+            <a:schemeClr val="accent1">
+              <a:shade val="50000"/>
+            </a:schemeClr>
+          </a:lnRef>
+          <a:fillRef idx="1">
+            <a:schemeClr val="accent1"/>
+          </a:fillRef>
+          <a:effectRef idx="0">
+            <a:schemeClr val="accent1"/>
+          </a:effectRef>
+          <a:fontRef idx="minor">
+            <a:schemeClr val="lt1"/>
+          </a:fontRef>
+        </p:style>
+        <p:txBody>
+          <a:bodyPr rtlCol="0" anchor="ctr"/>
+          <a:lstStyle/>
+          <a:p>
+            <a:pPr algn="ctr"/>
+            <a:endParaRPr lang="en-GB"/>
+          </a:p>
+        </p:txBody>
+      </p:sp>
+      <p:sp>
+        <p:nvSpPr>
+          <p:cNvPr id="40" name="Text Box 17"/>
+          <p:cNvSpPr txBox="1">
+            <a:spLocks noChangeArrowheads="1"/>
+          </p:cNvSpPr>
+          <p:nvPr/>
+        </p:nvSpPr>
+        <p:spPr bwMode="auto">
+          <a:xfrm>
+            <a:off x="24138606" y="28341438"/>
+            <a:ext cx="5904656" cy="5085779"/>
+          </a:xfrm>
+          <a:prstGeom prst="rect">
+            <a:avLst/>
+          </a:prstGeom>
+          <a:noFill/>
+          <a:ln>
+            <a:noFill/>
+          </a:ln>
+          <a:effectLst/>
+          <a:extLst>
+            <a:ext uri="{909E8E84-426E-40dd-AFC4-6F175D3DCCD1}">
+              <a14:hiddenFill xmlns="" xmlns:a14="http://schemas.microsoft.com/office/drawing/2010/main">
+                <a:solidFill>
+                  <a:schemeClr val="accent1"/>
+                </a:solidFill>
+              </a14:hiddenFill>
+            </a:ext>
+            <a:ext uri="{91240B29-F687-4f45-9708-019B960494DF}">
+              <a14:hiddenLine xmlns="" xmlns:a14="http://schemas.microsoft.com/office/drawing/2010/main" w="9525">
+                <a:solidFill>
+                  <a:schemeClr val="tx1"/>
+                </a:solidFill>
+                <a:miter lim="800000"/>
+                <a:headEnd/>
+                <a:tailEnd/>
+              </a14:hiddenLine>
+            </a:ext>
+            <a:ext uri="{AF507438-7753-43e0-B8FC-AC1667EBCBE1}">
+              <a14:hiddenEffects xmlns="" xmlns:a14="http://schemas.microsoft.com/office/drawing/2010/main">
+                <a:effectLst>
+                  <a:outerShdw dist="35921" dir="2700000" algn="ctr" rotWithShape="0">
+                    <a:schemeClr val="bg2"/>
+                  </a:outerShdw>
+                </a:effectLst>
+              </a14:hiddenEffects>
+            </a:ext>
+          </a:extLst>
+        </p:spPr>
+        <p:txBody>
+          <a:bodyPr wrap="square" lIns="129314" tIns="64657" rIns="129314" bIns="64657">
+            <a:spAutoFit/>
+          </a:bodyPr>
+          <a:lstStyle>
+            <a:lvl1pPr defTabSz="1474788">
+              <a:defRPr>
+                <a:solidFill>
+                  <a:schemeClr val="tx1"/>
+                </a:solidFill>
+                <a:latin typeface="Arial" panose="020B0604020202020204" pitchFamily="34" charset="0"/>
+              </a:defRPr>
+            </a:lvl1pPr>
+            <a:lvl2pPr marL="646113" defTabSz="1474788">
+              <a:defRPr>
+                <a:solidFill>
+                  <a:schemeClr val="tx1"/>
+                </a:solidFill>
+                <a:latin typeface="Arial" panose="020B0604020202020204" pitchFamily="34" charset="0"/>
+              </a:defRPr>
+            </a:lvl2pPr>
+            <a:lvl3pPr marL="1293813" defTabSz="1474788">
+              <a:defRPr>
+                <a:solidFill>
+                  <a:schemeClr val="tx1"/>
+                </a:solidFill>
+                <a:latin typeface="Arial" panose="020B0604020202020204" pitchFamily="34" charset="0"/>
+              </a:defRPr>
+            </a:lvl3pPr>
+            <a:lvl4pPr marL="1939925" defTabSz="1474788">
+              <a:defRPr>
+                <a:solidFill>
+                  <a:schemeClr val="tx1"/>
+                </a:solidFill>
+                <a:latin typeface="Arial" panose="020B0604020202020204" pitchFamily="34" charset="0"/>
+              </a:defRPr>
+            </a:lvl4pPr>
+            <a:lvl5pPr marL="2586038" defTabSz="1474788">
+              <a:defRPr>
+                <a:solidFill>
+                  <a:schemeClr val="tx1"/>
+                </a:solidFill>
+                <a:latin typeface="Arial" panose="020B0604020202020204" pitchFamily="34" charset="0"/>
+              </a:defRPr>
+            </a:lvl5pPr>
+            <a:lvl6pPr marL="3043238" defTabSz="1474788" fontAlgn="base">
+              <a:spcBef>
+                <a:spcPct val="0"/>
+              </a:spcBef>
+              <a:spcAft>
+                <a:spcPct val="0"/>
+              </a:spcAft>
+              <a:defRPr>
+                <a:solidFill>
+                  <a:schemeClr val="tx1"/>
+                </a:solidFill>
+                <a:latin typeface="Arial" panose="020B0604020202020204" pitchFamily="34" charset="0"/>
+              </a:defRPr>
+            </a:lvl6pPr>
+            <a:lvl7pPr marL="3500438" defTabSz="1474788" fontAlgn="base">
+              <a:spcBef>
+                <a:spcPct val="0"/>
+              </a:spcBef>
+              <a:spcAft>
+                <a:spcPct val="0"/>
+              </a:spcAft>
+              <a:defRPr>
+                <a:solidFill>
+                  <a:schemeClr val="tx1"/>
+                </a:solidFill>
+                <a:latin typeface="Arial" panose="020B0604020202020204" pitchFamily="34" charset="0"/>
+              </a:defRPr>
+            </a:lvl7pPr>
+            <a:lvl8pPr marL="3957638" defTabSz="1474788" fontAlgn="base">
+              <a:spcBef>
+                <a:spcPct val="0"/>
+              </a:spcBef>
+              <a:spcAft>
+                <a:spcPct val="0"/>
+              </a:spcAft>
+              <a:defRPr>
+                <a:solidFill>
+                  <a:schemeClr val="tx1"/>
+                </a:solidFill>
+                <a:latin typeface="Arial" panose="020B0604020202020204" pitchFamily="34" charset="0"/>
+              </a:defRPr>
+            </a:lvl8pPr>
+            <a:lvl9pPr marL="4414838" defTabSz="1474788" fontAlgn="base">
+              <a:spcBef>
+                <a:spcPct val="0"/>
+              </a:spcBef>
+              <a:spcAft>
+                <a:spcPct val="0"/>
+              </a:spcAft>
+              <a:defRPr>
+                <a:solidFill>
+                  <a:schemeClr val="tx1"/>
+                </a:solidFill>
+                <a:latin typeface="Arial" panose="020B0604020202020204" pitchFamily="34" charset="0"/>
+              </a:defRPr>
+            </a:lvl9pPr>
+          </a:lstStyle>
+          <a:p>
+            <a:pPr algn="ctr">
+              <a:spcBef>
+                <a:spcPct val="50000"/>
+              </a:spcBef>
+            </a:pPr>
+            <a:r>
+              <a:rPr lang="en-US" sz="2800" b="1" dirty="0" smtClean="0">
+                <a:solidFill>
+                  <a:srgbClr val="002060"/>
+                </a:solidFill>
+                <a:cs typeface="Arial" panose="020B0604020202020204" pitchFamily="34" charset="0"/>
+              </a:rPr>
+              <a:t>Interoperability</a:t>
+            </a:r>
+            <a:endParaRPr lang="en-GB" sz="2800" dirty="0" smtClean="0">
+              <a:solidFill>
+                <a:srgbClr val="002060"/>
+              </a:solidFill>
+              <a:cs typeface="Arial" panose="020B0604020202020204" pitchFamily="34" charset="0"/>
+            </a:endParaRPr>
+          </a:p>
+          <a:p>
+            <a:pPr>
+              <a:spcBef>
+                <a:spcPct val="50000"/>
+              </a:spcBef>
+            </a:pPr>
+            <a:r>
+              <a:rPr lang="en-GB" sz="2800" dirty="0" smtClean="0">
+                <a:solidFill>
+                  <a:srgbClr val="002060"/>
+                </a:solidFill>
+                <a:cs typeface="Arial" panose="020B0604020202020204" pitchFamily="34" charset="0"/>
+              </a:rPr>
+              <a:t>Wave optics simulation (SRW)</a:t>
+            </a:r>
+          </a:p>
+          <a:p>
+            <a:pPr>
+              <a:spcBef>
+                <a:spcPct val="50000"/>
+              </a:spcBef>
+            </a:pPr>
+            <a:endParaRPr lang="en-US" sz="2800" dirty="0">
+              <a:solidFill>
+                <a:srgbClr val="002060"/>
+              </a:solidFill>
+              <a:cs typeface="Arial" panose="020B0604020202020204" pitchFamily="34" charset="0"/>
+            </a:endParaRPr>
+          </a:p>
+          <a:p>
+            <a:pPr>
+              <a:spcBef>
+                <a:spcPct val="50000"/>
+              </a:spcBef>
+            </a:pPr>
+            <a:r>
+              <a:rPr lang="en-US" sz="2800" dirty="0" smtClean="0">
+                <a:solidFill>
+                  <a:srgbClr val="002060"/>
+                </a:solidFill>
+                <a:cs typeface="Arial" panose="020B0604020202020204" pitchFamily="34" charset="0"/>
+              </a:rPr>
+              <a:t>SYNED definition of beamline</a:t>
+            </a:r>
+          </a:p>
+          <a:p>
+            <a:pPr>
+              <a:spcBef>
+                <a:spcPct val="50000"/>
+              </a:spcBef>
+            </a:pPr>
+            <a:endParaRPr lang="en-US" sz="2800" dirty="0" smtClean="0">
+              <a:solidFill>
+                <a:srgbClr val="002060"/>
+              </a:solidFill>
+              <a:cs typeface="Arial" panose="020B0604020202020204" pitchFamily="34" charset="0"/>
+            </a:endParaRPr>
+          </a:p>
+          <a:p>
+            <a:pPr>
+              <a:spcBef>
+                <a:spcPct val="50000"/>
+              </a:spcBef>
+            </a:pPr>
+            <a:r>
+              <a:rPr lang="en-US" sz="2800" dirty="0" smtClean="0">
+                <a:solidFill>
+                  <a:srgbClr val="002060"/>
+                </a:solidFill>
+                <a:cs typeface="Arial" panose="020B0604020202020204" pitchFamily="34" charset="0"/>
+              </a:rPr>
+              <a:t>Ray tracing simulation (SHADOW)</a:t>
+            </a:r>
+          </a:p>
+          <a:p>
+            <a:pPr>
+              <a:spcBef>
+                <a:spcPct val="50000"/>
+              </a:spcBef>
+            </a:pPr>
+            <a:endParaRPr lang="en-US" sz="2800" dirty="0" smtClean="0">
+              <a:solidFill>
+                <a:srgbClr val="002060"/>
+              </a:solidFill>
+              <a:cs typeface="Arial" panose="020B0604020202020204" pitchFamily="34" charset="0"/>
+            </a:endParaRPr>
+          </a:p>
+          <a:p>
+            <a:pPr>
+              <a:spcBef>
+                <a:spcPct val="50000"/>
+              </a:spcBef>
+            </a:pPr>
+            <a:r>
+              <a:rPr lang="en-US" sz="2800" dirty="0" smtClean="0">
+                <a:solidFill>
+                  <a:srgbClr val="002060"/>
+                </a:solidFill>
+                <a:cs typeface="Arial" panose="020B0604020202020204" pitchFamily="34" charset="0"/>
+              </a:rPr>
+              <a:t>Branch using HYBRID</a:t>
+            </a:r>
+            <a:endParaRPr lang="en-US" sz="2800" dirty="0">
+              <a:solidFill>
+                <a:srgbClr val="002060"/>
+              </a:solidFill>
+              <a:cs typeface="Arial" panose="020B0604020202020204" pitchFamily="34" charset="0"/>
+            </a:endParaRPr>
+          </a:p>
+        </p:txBody>
+      </p:sp>
+      <p:cxnSp>
+        <p:nvCxnSpPr>
+          <p:cNvPr id="38" name="Straight Arrow Connector 37"/>
+          <p:cNvCxnSpPr/>
+          <p:nvPr/>
+        </p:nvCxnSpPr>
+        <p:spPr>
+          <a:xfrm>
+            <a:off x="23765371" y="29276711"/>
+            <a:ext cx="373235" cy="22721"/>
+          </a:xfrm>
+          <a:prstGeom prst="straightConnector1">
+            <a:avLst/>
+          </a:prstGeom>
+          <a:ln w="31750">
+            <a:headEnd type="triangle"/>
+            <a:tailEnd type="none"/>
+          </a:ln>
+        </p:spPr>
+        <p:style>
+          <a:lnRef idx="1">
+            <a:schemeClr val="accent1"/>
+          </a:lnRef>
+          <a:fillRef idx="0">
+            <a:schemeClr val="accent1"/>
+          </a:fillRef>
+          <a:effectRef idx="0">
+            <a:schemeClr val="accent1"/>
+          </a:effectRef>
+          <a:fontRef idx="minor">
+            <a:schemeClr val="tx1"/>
+          </a:fontRef>
+        </p:style>
+      </p:cxnSp>
+      <p:cxnSp>
+        <p:nvCxnSpPr>
+          <p:cNvPr id="48" name="Straight Arrow Connector 47"/>
+          <p:cNvCxnSpPr/>
+          <p:nvPr/>
+        </p:nvCxnSpPr>
+        <p:spPr>
+          <a:xfrm>
+            <a:off x="23778566" y="30474889"/>
+            <a:ext cx="373235" cy="22721"/>
+          </a:xfrm>
+          <a:prstGeom prst="straightConnector1">
+            <a:avLst/>
+          </a:prstGeom>
+          <a:ln w="31750">
+            <a:headEnd type="triangle"/>
+            <a:tailEnd type="none"/>
+          </a:ln>
+        </p:spPr>
+        <p:style>
+          <a:lnRef idx="1">
+            <a:schemeClr val="accent1"/>
+          </a:lnRef>
+          <a:fillRef idx="0">
+            <a:schemeClr val="accent1"/>
+          </a:fillRef>
+          <a:effectRef idx="0">
+            <a:schemeClr val="accent1"/>
+          </a:effectRef>
+          <a:fontRef idx="minor">
+            <a:schemeClr val="tx1"/>
+          </a:fontRef>
+        </p:style>
+      </p:cxnSp>
+      <p:cxnSp>
+        <p:nvCxnSpPr>
+          <p:cNvPr id="49" name="Straight Arrow Connector 48"/>
+          <p:cNvCxnSpPr/>
+          <p:nvPr/>
+        </p:nvCxnSpPr>
+        <p:spPr>
+          <a:xfrm>
+            <a:off x="23765371" y="31565580"/>
+            <a:ext cx="386430" cy="156166"/>
+          </a:xfrm>
+          <a:prstGeom prst="straightConnector1">
+            <a:avLst/>
+          </a:prstGeom>
+          <a:ln w="31750">
+            <a:headEnd type="triangle"/>
+            <a:tailEnd type="none"/>
+          </a:ln>
+        </p:spPr>
+        <p:style>
+          <a:lnRef idx="1">
+            <a:schemeClr val="accent1"/>
+          </a:lnRef>
+          <a:fillRef idx="0">
+            <a:schemeClr val="accent1"/>
+          </a:fillRef>
+          <a:effectRef idx="0">
+            <a:schemeClr val="accent1"/>
+          </a:effectRef>
+          <a:fontRef idx="minor">
+            <a:schemeClr val="tx1"/>
+          </a:fontRef>
+        </p:style>
+      </p:cxnSp>
+      <p:cxnSp>
+        <p:nvCxnSpPr>
+          <p:cNvPr id="51" name="Straight Arrow Connector 50"/>
+          <p:cNvCxnSpPr/>
+          <p:nvPr/>
+        </p:nvCxnSpPr>
+        <p:spPr>
+          <a:xfrm>
+            <a:off x="23418526" y="32818158"/>
+            <a:ext cx="720080" cy="249019"/>
+          </a:xfrm>
+          <a:prstGeom prst="straightConnector1">
+            <a:avLst/>
+          </a:prstGeom>
+          <a:ln w="31750">
+            <a:headEnd type="triangle"/>
+            <a:tailEnd type="none"/>
+          </a:ln>
+        </p:spPr>
+        <p:style>
+          <a:lnRef idx="1">
+            <a:schemeClr val="accent1"/>
+          </a:lnRef>
+          <a:fillRef idx="0">
+            <a:schemeClr val="accent1"/>
+          </a:fillRef>
+          <a:effectRef idx="0">
+            <a:schemeClr val="accent1"/>
+          </a:effectRef>
+          <a:fontRef idx="minor">
+            <a:schemeClr val="tx1"/>
+          </a:fontRef>
+        </p:style>
+      </p:cxnSp>
     </p:spTree>
     <p:extLst>
       <p:ext uri="{BB962C8B-B14F-4D97-AF65-F5344CB8AC3E}">
@@ -6190,7 +7650,7 @@
   <p:timing>
     <p:tnLst>
       <p:par>
-        <p:cTn xmlns:p14="http://schemas.microsoft.com/office/powerpoint/2010/main" id="1" dur="indefinite" restart="never" nodeType="tmRoot"/>
+        <p:cTn id="1" dur="indefinite" restart="never" nodeType="tmRoot"/>
       </p:par>
     </p:tnLst>
   </p:timing>
@@ -6452,7 +7912,7 @@
   <a:extraClrSchemeLst/>
   <a:extLst>
     <a:ext uri="{05A4C25C-085E-4340-85A3-A5531E510DB2}">
-      <thm15:themeFamily xmlns="" xmlns:thm15="http://schemas.microsoft.com/office/thememl/2012/main" name="PosterA0-2015.potx" id="{71A9D228-CE2D-4AFE-A4CB-517C2D88A208}" vid="{19CFE0AD-F22A-4361-9484-E6667C0115D5}"/>
+      <thm15:themeFamily xmlns:thm15="http://schemas.microsoft.com/office/thememl/2012/main" name="PosterA0-2015.potx" id="{71A9D228-CE2D-4AFE-A4CB-517C2D88A208}" vid="{19CFE0AD-F22A-4361-9484-E6667C0115D5}"/>
     </a:ext>
   </a:extLst>
 </a:theme>
